--- a/translations/pt-br/advanced/GyroTurn.pptx
+++ b/translations/pt-br/advanced/GyroTurn.pptx
@@ -5,10 +5,10 @@
     <p:sldMasterId id="2147483818" r:id="rId1"/>
   </p:sldMasterIdLst>
   <p:notesMasterIdLst>
-    <p:notesMasterId r:id="rId16"/>
+    <p:notesMasterId r:id="rId13"/>
   </p:notesMasterIdLst>
   <p:handoutMasterIdLst>
-    <p:handoutMasterId r:id="rId17"/>
+    <p:handoutMasterId r:id="rId14"/>
   </p:handoutMasterIdLst>
   <p:sldIdLst>
     <p:sldId id="258" r:id="rId2"/>
@@ -20,11 +20,8 @@
     <p:sldId id="283" r:id="rId8"/>
     <p:sldId id="284" r:id="rId9"/>
     <p:sldId id="285" r:id="rId10"/>
-    <p:sldId id="277" r:id="rId11"/>
-    <p:sldId id="287" r:id="rId12"/>
-    <p:sldId id="288" r:id="rId13"/>
-    <p:sldId id="290" r:id="rId14"/>
-    <p:sldId id="274" r:id="rId15"/>
+    <p:sldId id="290" r:id="rId11"/>
+    <p:sldId id="274" r:id="rId12"/>
   </p:sldIdLst>
   <p:sldSz cx="9144000" cy="6858000" type="screen4x3"/>
   <p:notesSz cx="6858000" cy="9144000"/>
@@ -224,7 +221,7 @@
           <a:p>
             <a:fld id="{E354B44E-40A3-0E46-B16A-9BF1250A248B}" type="datetimeFigureOut">
               <a:rPr lang="en-US" smtClean="0"/>
-              <a:t>6/20/2015</a:t>
+              <a:t>12/19/15</a:t>
             </a:fld>
             <a:endParaRPr lang="en-US"/>
           </a:p>
@@ -390,7 +387,7 @@
           <a:p>
             <a:fld id="{C86AD16C-2DB4-6642-BAD4-9ED973A087A0}" type="datetimeFigureOut">
               <a:rPr lang="en-US" smtClean="0"/>
-              <a:t>6/20/2015</a:t>
+              <a:t>12/19/15</a:t>
             </a:fld>
             <a:endParaRPr lang="en-US"/>
           </a:p>
@@ -808,7 +805,7 @@
           <a:p>
             <a:fld id="{1E5BF589-3978-3C45-966B-D7B7A71F2A02}" type="slidenum">
               <a:rPr lang="en-US" smtClean="0"/>
-              <a:t>13</a:t>
+              <a:t>10</a:t>
             </a:fld>
             <a:endParaRPr lang="en-US"/>
           </a:p>
@@ -892,7 +889,7 @@
           <a:p>
             <a:fld id="{1E5BF589-3978-3C45-966B-D7B7A71F2A02}" type="slidenum">
               <a:rPr lang="en-US" smtClean="0"/>
-              <a:t>14</a:t>
+              <a:t>11</a:t>
             </a:fld>
             <a:endParaRPr lang="en-US"/>
           </a:p>
@@ -943,9 +940,9 @@
           <a:bodyPr/>
           <a:lstStyle/>
           <a:p>
-            <a:fld id="{9F6093A6-3F04-AB47-8BCC-C23FEC7B1BC4}" type="datetime1">
-              <a:rPr lang="en-US" smtClean="0"/>
-              <a:t>6/20/2015</a:t>
+            <a:fld id="{A391A2B1-B97C-ED42-B3CD-7B713D3A1D84}" type="datetime1">
+              <a:rPr lang="en-US" smtClean="0"/>
+              <a:t>12/19/15</a:t>
             </a:fld>
             <a:endParaRPr lang="en-US"/>
           </a:p>
@@ -967,8 +964,8 @@
           <a:lstStyle/>
           <a:p>
             <a:r>
-              <a:rPr lang="en-US" smtClean="0"/>
-              <a:t>© 2015 EV3Lessons.com, Last edit 4/8/2015</a:t>
+              <a:rPr lang="sk-SK" smtClean="0"/>
+              <a:t>© 2015 EV3Lessons.com, Last edit 12/19/2015</a:t>
             </a:r>
             <a:endParaRPr lang="en-US"/>
           </a:p>
@@ -1563,9 +1560,9 @@
           <a:bodyPr/>
           <a:lstStyle/>
           <a:p>
-            <a:fld id="{54B9A58F-C793-CB4A-A4BF-663FCC04C8C9}" type="datetime1">
-              <a:rPr lang="en-US" smtClean="0"/>
-              <a:t>6/20/2015</a:t>
+            <a:fld id="{826566BD-2715-B345-B9E2-0B36061EC7C1}" type="datetime1">
+              <a:rPr lang="en-US" smtClean="0"/>
+              <a:t>12/19/15</a:t>
             </a:fld>
             <a:endParaRPr lang="en-US" dirty="0"/>
           </a:p>
@@ -1587,8 +1584,8 @@
           <a:lstStyle/>
           <a:p>
             <a:r>
-              <a:rPr lang="en-US" smtClean="0"/>
-              <a:t>© 2015 EV3Lessons.com, Last edit 4/8/2015</a:t>
+              <a:rPr lang="sk-SK" smtClean="0"/>
+              <a:t>© 2015 EV3Lessons.com, Last edit 12/19/2015</a:t>
             </a:r>
             <a:endParaRPr lang="en-US" dirty="0"/>
           </a:p>
@@ -2391,9 +2388,9 @@
           <a:bodyPr/>
           <a:lstStyle/>
           <a:p>
-            <a:fld id="{A0B6DD20-8D04-6B44-B04C-9247F789EDE2}" type="datetime1">
-              <a:rPr lang="en-US" smtClean="0"/>
-              <a:t>6/20/2015</a:t>
+            <a:fld id="{E3AC09A7-731E-1648-B3B8-BAD9393EC4A3}" type="datetime1">
+              <a:rPr lang="en-US" smtClean="0"/>
+              <a:t>12/19/15</a:t>
             </a:fld>
             <a:endParaRPr lang="en-US" dirty="0"/>
           </a:p>
@@ -2415,8 +2412,8 @@
           <a:lstStyle/>
           <a:p>
             <a:r>
-              <a:rPr lang="en-US" smtClean="0"/>
-              <a:t>© 2015 EV3Lessons.com, Last edit 4/8/2015</a:t>
+              <a:rPr lang="sk-SK" smtClean="0"/>
+              <a:t>© 2015 EV3Lessons.com, Last edit 12/19/2015</a:t>
             </a:r>
             <a:endParaRPr lang="en-US" dirty="0"/>
           </a:p>
@@ -2913,9 +2910,9 @@
           <a:bodyPr/>
           <a:lstStyle/>
           <a:p>
-            <a:fld id="{31C14AF0-EF73-3140-8C6C-F73921C2F382}" type="datetime1">
-              <a:rPr lang="en-US" smtClean="0"/>
-              <a:t>6/20/2015</a:t>
+            <a:fld id="{272E63A0-43D7-EE4B-A146-A78B48319758}" type="datetime1">
+              <a:rPr lang="en-US" smtClean="0"/>
+              <a:t>12/19/15</a:t>
             </a:fld>
             <a:endParaRPr lang="en-US"/>
           </a:p>
@@ -2937,8 +2934,8 @@
           <a:lstStyle/>
           <a:p>
             <a:r>
-              <a:rPr lang="en-US" smtClean="0"/>
-              <a:t>© 2015 EV3Lessons.com, Last edit 4/8/2015</a:t>
+              <a:rPr lang="sk-SK" smtClean="0"/>
+              <a:t>© 2015 EV3Lessons.com, Last edit 12/19/2015</a:t>
             </a:r>
             <a:endParaRPr lang="en-US"/>
           </a:p>
@@ -3157,9 +3154,9 @@
           <a:bodyPr/>
           <a:lstStyle/>
           <a:p>
-            <a:fld id="{A11E988A-0464-1F44-BCAE-9D926D2CE1A2}" type="datetime1">
-              <a:rPr lang="en-US" smtClean="0"/>
-              <a:t>6/20/2015</a:t>
+            <a:fld id="{510C3264-0169-E94A-A8CB-C1ABBC197B6F}" type="datetime1">
+              <a:rPr lang="en-US" smtClean="0"/>
+              <a:t>12/19/15</a:t>
             </a:fld>
             <a:endParaRPr lang="en-US"/>
           </a:p>
@@ -3181,8 +3178,8 @@
           <a:lstStyle/>
           <a:p>
             <a:r>
-              <a:rPr lang="en-US" smtClean="0"/>
-              <a:t>© 2015 EV3Lessons.com, Last edit 4/8/2015</a:t>
+              <a:rPr lang="sk-SK" smtClean="0"/>
+              <a:t>© 2015 EV3Lessons.com, Last edit 12/19/2015</a:t>
             </a:r>
             <a:endParaRPr lang="en-US"/>
           </a:p>
@@ -3695,9 +3692,9 @@
           <a:bodyPr/>
           <a:lstStyle/>
           <a:p>
-            <a:fld id="{211A87C0-55A3-274F-A634-9C411AA59126}" type="datetime1">
-              <a:rPr lang="en-US" smtClean="0"/>
-              <a:t>6/20/2015</a:t>
+            <a:fld id="{752F0093-145F-FF4C-A2D4-EE2E56919346}" type="datetime1">
+              <a:rPr lang="en-US" smtClean="0"/>
+              <a:t>12/19/15</a:t>
             </a:fld>
             <a:endParaRPr lang="en-US"/>
           </a:p>
@@ -3719,8 +3716,8 @@
           <a:lstStyle/>
           <a:p>
             <a:r>
-              <a:rPr lang="en-US" smtClean="0"/>
-              <a:t>© 2015 EV3Lessons.com, Last edit 4/8/2015</a:t>
+              <a:rPr lang="sk-SK" smtClean="0"/>
+              <a:t>© 2015 EV3Lessons.com, Last edit 12/19/2015</a:t>
             </a:r>
             <a:endParaRPr lang="en-US"/>
           </a:p>
@@ -3841,9 +3838,9 @@
           <a:bodyPr/>
           <a:lstStyle/>
           <a:p>
-            <a:fld id="{2E6EE759-9221-6E4D-B2C9-1D1A5ECA1C34}" type="datetime1">
-              <a:rPr lang="en-US" smtClean="0"/>
-              <a:t>6/20/2015</a:t>
+            <a:fld id="{B2919B4D-BC72-A64F-97EA-3D84C1CDDB18}" type="datetime1">
+              <a:rPr lang="en-US" smtClean="0"/>
+              <a:t>12/19/15</a:t>
             </a:fld>
             <a:endParaRPr lang="en-US"/>
           </a:p>
@@ -3865,8 +3862,8 @@
           <a:lstStyle/>
           <a:p>
             <a:r>
-              <a:rPr lang="en-US" smtClean="0"/>
-              <a:t>© 2015 EV3Lessons.com, Last edit 4/8/2015</a:t>
+              <a:rPr lang="sk-SK" smtClean="0"/>
+              <a:t>© 2015 EV3Lessons.com, Last edit 12/19/2015</a:t>
             </a:r>
             <a:endParaRPr lang="en-US"/>
           </a:p>
@@ -4711,9 +4708,9 @@
           <a:bodyPr/>
           <a:lstStyle/>
           <a:p>
-            <a:fld id="{E8F54D8E-A5CA-3E48-BEA2-290C18877C46}" type="datetime1">
-              <a:rPr lang="en-US" smtClean="0"/>
-              <a:t>6/20/2015</a:t>
+            <a:fld id="{395B8C1C-6FAE-E64B-BC90-2AFDCC675082}" type="datetime1">
+              <a:rPr lang="en-US" smtClean="0"/>
+              <a:t>12/19/15</a:t>
             </a:fld>
             <a:endParaRPr lang="en-US"/>
           </a:p>
@@ -4735,8 +4732,8 @@
           <a:lstStyle/>
           <a:p>
             <a:r>
-              <a:rPr lang="en-US" smtClean="0"/>
-              <a:t>© 2015 EV3Lessons.com, Last edit 4/8/2015</a:t>
+              <a:rPr lang="sk-SK" smtClean="0"/>
+              <a:t>© 2015 EV3Lessons.com, Last edit 12/19/2015</a:t>
             </a:r>
             <a:endParaRPr lang="en-US"/>
           </a:p>
@@ -4845,9 +4842,9 @@
           <a:bodyPr/>
           <a:lstStyle/>
           <a:p>
-            <a:fld id="{3532F4B0-6B27-A64F-93D2-9F36469B4E3E}" type="datetime1">
-              <a:rPr lang="en-US" smtClean="0"/>
-              <a:t>6/20/2015</a:t>
+            <a:fld id="{55F6DE33-2A1B-684E-9DC1-993C2632A731}" type="datetime1">
+              <a:rPr lang="en-US" smtClean="0"/>
+              <a:t>12/19/15</a:t>
             </a:fld>
             <a:endParaRPr lang="en-US" dirty="0"/>
           </a:p>
@@ -5719,9 +5716,9 @@
           <a:bodyPr/>
           <a:lstStyle/>
           <a:p>
-            <a:fld id="{AA80D331-669F-1E46-9CDF-0232A1893433}" type="datetime1">
-              <a:rPr lang="en-US" smtClean="0"/>
-              <a:t>6/20/2015</a:t>
+            <a:fld id="{76ADEC48-F262-D746-A0C2-F5755896561F}" type="datetime1">
+              <a:rPr lang="en-US" smtClean="0"/>
+              <a:t>12/19/15</a:t>
             </a:fld>
             <a:endParaRPr lang="en-US"/>
           </a:p>
@@ -6355,9 +6352,9 @@
           <a:bodyPr/>
           <a:lstStyle/>
           <a:p>
-            <a:fld id="{7267343F-EB94-2A4D-82CA-B4CE0C957985}" type="datetime1">
-              <a:rPr lang="en-US" smtClean="0"/>
-              <a:t>6/20/2015</a:t>
+            <a:fld id="{3AA68CAF-6872-1244-B74E-E29D7A57C74B}" type="datetime1">
+              <a:rPr lang="en-US" smtClean="0"/>
+              <a:t>12/19/15</a:t>
             </a:fld>
             <a:endParaRPr lang="en-US"/>
           </a:p>
@@ -6379,8 +6376,8 @@
           <a:lstStyle/>
           <a:p>
             <a:r>
-              <a:rPr lang="en-US" smtClean="0"/>
-              <a:t>© 2015 EV3Lessons.com, Last edit 4/8/2015</a:t>
+              <a:rPr lang="sk-SK" smtClean="0"/>
+              <a:t>© 2015 EV3Lessons.com, Last edit 12/19/2015</a:t>
             </a:r>
             <a:endParaRPr lang="en-US"/>
           </a:p>
@@ -6684,9 +6681,9 @@
           <a:bodyPr/>
           <a:lstStyle/>
           <a:p>
-            <a:fld id="{9F1F4F43-1CA3-1B45-9C14-A1BA125A1E34}" type="datetime1">
-              <a:rPr lang="en-US" smtClean="0"/>
-              <a:t>6/20/2015</a:t>
+            <a:fld id="{AD02F2B0-58A1-C84D-AB6F-1BFDDA391D21}" type="datetime1">
+              <a:rPr lang="en-US" smtClean="0"/>
+              <a:t>12/19/15</a:t>
             </a:fld>
             <a:endParaRPr lang="en-US"/>
           </a:p>
@@ -6708,8 +6705,8 @@
           <a:lstStyle/>
           <a:p>
             <a:r>
-              <a:rPr lang="en-US" smtClean="0"/>
-              <a:t>© 2015 EV3Lessons.com, Last edit 4/8/2015</a:t>
+              <a:rPr lang="sk-SK" smtClean="0"/>
+              <a:t>© 2015 EV3Lessons.com, Last edit 12/19/2015</a:t>
             </a:r>
             <a:endParaRPr lang="en-US"/>
           </a:p>
@@ -7166,9 +7163,9 @@
           <a:bodyPr/>
           <a:lstStyle/>
           <a:p>
-            <a:fld id="{22A07842-547B-7A42-809B-2573F6F496FB}" type="datetime1">
-              <a:rPr lang="en-US" smtClean="0"/>
-              <a:t>6/20/2015</a:t>
+            <a:fld id="{819F9429-7972-F541-B06A-26F449859889}" type="datetime1">
+              <a:rPr lang="en-US" smtClean="0"/>
+              <a:t>12/19/15</a:t>
             </a:fld>
             <a:endParaRPr lang="en-US"/>
           </a:p>
@@ -7190,8 +7187,8 @@
           <a:lstStyle/>
           <a:p>
             <a:r>
-              <a:rPr lang="en-US" smtClean="0"/>
-              <a:t>© 2015 EV3Lessons.com, Last edit 4/8/2015</a:t>
+              <a:rPr lang="sk-SK" smtClean="0"/>
+              <a:t>© 2015 EV3Lessons.com, Last edit 12/19/2015</a:t>
             </a:r>
             <a:endParaRPr lang="en-US"/>
           </a:p>
@@ -7352,9 +7349,9 @@
             </a:lvl1pPr>
           </a:lstStyle>
           <a:p>
-            <a:fld id="{5331AAC0-7A33-6C44-9094-61B109EB1FE0}" type="datetime1">
-              <a:rPr lang="en-US" smtClean="0"/>
-              <a:t>6/20/2015</a:t>
+            <a:fld id="{0B387DE8-FDE0-0F4D-AC98-68FB2943B39B}" type="datetime1">
+              <a:rPr lang="en-US" smtClean="0"/>
+              <a:t>12/19/15</a:t>
             </a:fld>
             <a:endParaRPr lang="en-US" dirty="0"/>
           </a:p>
@@ -7394,8 +7391,8 @@
           </a:lstStyle>
           <a:p>
             <a:r>
-              <a:rPr lang="en-US" smtClean="0"/>
-              <a:t>© 2015 EV3Lessons.com, Last edit 4/8/2015</a:t>
+              <a:rPr lang="sk-SK" smtClean="0"/>
+              <a:t>© 2015 EV3Lessons.com, Last edit 12/19/2015</a:t>
             </a:r>
             <a:endParaRPr lang="en-US" dirty="0"/>
           </a:p>
@@ -8030,8 +8027,8 @@
           <a:lstStyle/>
           <a:p>
             <a:r>
-              <a:rPr lang="en-US" smtClean="0"/>
-              <a:t>© 2015 EV3Lessons.com, Last edit 4/8/2015</a:t>
+              <a:rPr lang="sk-SK" smtClean="0"/>
+              <a:t>© 2015 EV3Lessons.com, Last edit 12/19/2015</a:t>
             </a:r>
             <a:endParaRPr lang="en-US"/>
           </a:p>
@@ -8092,7 +8089,7 @@
           <a:noFill/>
           <a:extLst>
             <a:ext uri="{909E8E84-426E-40dd-AFC4-6F175D3DCCD1}">
-              <a14:hiddenFill xmlns:a14="http://schemas.microsoft.com/office/drawing/2010/main" xmlns="">
+              <a14:hiddenFill xmlns="" xmlns:a14="http://schemas.microsoft.com/office/drawing/2010/main">
                 <a:solidFill>
                   <a:srgbClr val="FFFFFF"/>
                 </a:solidFill>
@@ -8442,1420 +8439,6 @@
           <a:noFill/>
         </p:spPr>
         <p:txBody>
-          <a:bodyPr>
-            <a:normAutofit fontScale="90000"/>
-          </a:bodyPr>
-          <a:lstStyle/>
-          <a:p>
-            <a:r>
-              <a:rPr lang="en-US" dirty="0" err="1" smtClean="0"/>
-              <a:t>Fazendo</a:t>
-            </a:r>
-            <a:r>
-              <a:rPr lang="en-US" dirty="0" smtClean="0"/>
-              <a:t> </a:t>
-            </a:r>
-            <a:r>
-              <a:rPr lang="en-US" dirty="0" err="1" smtClean="0"/>
-              <a:t>Curva</a:t>
-            </a:r>
-            <a:r>
-              <a:rPr lang="en-US" dirty="0"/>
-              <a:t> </a:t>
-            </a:r>
-            <a:r>
-              <a:rPr lang="en-US" dirty="0" err="1"/>
-              <a:t>Proporcional</a:t>
-            </a:r>
-            <a:r>
-              <a:rPr lang="en-US" dirty="0"/>
-              <a:t> com </a:t>
-            </a:r>
-            <a:r>
-              <a:rPr lang="en-US" dirty="0" smtClean="0"/>
-              <a:t>o Gyro</a:t>
-            </a:r>
-            <a:br>
-              <a:rPr lang="en-US" dirty="0" smtClean="0"/>
-            </a:br>
-            <a:r>
-              <a:rPr lang="en-US" sz="3100" dirty="0" err="1" smtClean="0"/>
-              <a:t>por</a:t>
-            </a:r>
-            <a:r>
-              <a:rPr lang="en-US" sz="3100" dirty="0" smtClean="0"/>
-              <a:t> The Construction Mavericks</a:t>
-            </a:r>
-            <a:endParaRPr lang="en-US" dirty="0"/>
-          </a:p>
-        </p:txBody>
-      </p:sp>
-      <p:sp>
-        <p:nvSpPr>
-          <p:cNvPr id="3" name="Content Placeholder 2"/>
-          <p:cNvSpPr>
-            <a:spLocks noGrp="1"/>
-          </p:cNvSpPr>
-          <p:nvPr>
-            <p:ph idx="1"/>
-          </p:nvPr>
-        </p:nvSpPr>
-        <p:spPr>
-          <a:xfrm>
-            <a:off x="284162" y="1887025"/>
-            <a:ext cx="8574087" cy="4373563"/>
-          </a:xfrm>
-        </p:spPr>
-        <p:txBody>
-          <a:bodyPr>
-            <a:normAutofit fontScale="92500" lnSpcReduction="10000"/>
-          </a:bodyPr>
-          <a:lstStyle/>
-          <a:p>
-            <a:pPr marL="342900" indent="-342900">
-              <a:buFont typeface="Arial"/>
-              <a:buChar char="•"/>
-            </a:pPr>
-            <a:r>
-              <a:rPr lang="en-US" b="0" dirty="0" smtClean="0"/>
-              <a:t>Este </a:t>
-            </a:r>
-            <a:r>
-              <a:rPr lang="en-US" b="0" dirty="0" err="1" smtClean="0"/>
-              <a:t>método</a:t>
-            </a:r>
-            <a:r>
-              <a:rPr lang="en-US" b="0" dirty="0" smtClean="0"/>
-              <a:t> </a:t>
-            </a:r>
-            <a:r>
-              <a:rPr lang="en-US" b="0" dirty="0" err="1" smtClean="0"/>
-              <a:t>melhora</a:t>
-            </a:r>
-            <a:r>
-              <a:rPr lang="en-US" b="0" dirty="0" smtClean="0"/>
-              <a:t> o simples </a:t>
-            </a:r>
-            <a:r>
-              <a:rPr lang="en-US" b="0" dirty="0" err="1" smtClean="0"/>
-              <a:t>mecanismo</a:t>
-            </a:r>
-            <a:r>
-              <a:rPr lang="en-US" b="0" dirty="0" smtClean="0"/>
-              <a:t> de </a:t>
-            </a:r>
-            <a:r>
-              <a:rPr lang="en-US" b="0" dirty="0" err="1" smtClean="0"/>
-              <a:t>correção</a:t>
-            </a:r>
-            <a:r>
-              <a:rPr lang="en-US" b="0" dirty="0" smtClean="0"/>
-              <a:t>, </a:t>
-            </a:r>
-            <a:r>
-              <a:rPr lang="en-US" b="0" dirty="0" err="1" smtClean="0"/>
-              <a:t>mostrado</a:t>
-            </a:r>
-            <a:r>
-              <a:rPr lang="en-US" b="0" dirty="0" smtClean="0"/>
-              <a:t> </a:t>
-            </a:r>
-            <a:r>
-              <a:rPr lang="en-US" b="0" dirty="0" err="1" smtClean="0"/>
-              <a:t>anteriormente</a:t>
-            </a:r>
-            <a:r>
-              <a:rPr lang="en-US" b="0" dirty="0" smtClean="0"/>
-              <a:t>, </a:t>
-            </a:r>
-            <a:r>
-              <a:rPr lang="en-US" b="0" dirty="0" err="1" smtClean="0"/>
-              <a:t>usando</a:t>
-            </a:r>
-            <a:r>
-              <a:rPr lang="en-US" b="0" dirty="0" smtClean="0"/>
-              <a:t> o </a:t>
-            </a:r>
-            <a:r>
-              <a:rPr lang="en-US" b="0" dirty="0" err="1" smtClean="0"/>
-              <a:t>controle</a:t>
-            </a:r>
-            <a:r>
-              <a:rPr lang="en-US" b="0" dirty="0" smtClean="0"/>
-              <a:t> </a:t>
-            </a:r>
-            <a:r>
-              <a:rPr lang="en-US" b="0" dirty="0" err="1" smtClean="0"/>
-              <a:t>proporcional</a:t>
-            </a:r>
-            <a:r>
-              <a:rPr lang="en-US" b="0" dirty="0" smtClean="0"/>
-              <a:t> </a:t>
-            </a:r>
-          </a:p>
-          <a:p>
-            <a:pPr marL="803275" lvl="1" indent="-342900">
-              <a:buFont typeface="Arial"/>
-              <a:buChar char="•"/>
-            </a:pPr>
-            <a:r>
-              <a:rPr lang="en-US" dirty="0" smtClean="0"/>
-              <a:t>Se </a:t>
-            </a:r>
-            <a:r>
-              <a:rPr lang="en-US" dirty="0" err="1" smtClean="0"/>
-              <a:t>você</a:t>
-            </a:r>
-            <a:r>
-              <a:rPr lang="en-US" dirty="0" smtClean="0"/>
-              <a:t> </a:t>
-            </a:r>
-            <a:r>
-              <a:rPr lang="en-US" dirty="0" err="1" smtClean="0"/>
-              <a:t>não</a:t>
-            </a:r>
-            <a:r>
-              <a:rPr lang="en-US" dirty="0" smtClean="0"/>
-              <a:t> </a:t>
-            </a:r>
-            <a:r>
-              <a:rPr lang="en-US" dirty="0" err="1" smtClean="0"/>
-              <a:t>estiver</a:t>
-            </a:r>
-            <a:r>
-              <a:rPr lang="en-US" dirty="0" smtClean="0"/>
-              <a:t> </a:t>
-            </a:r>
-            <a:r>
-              <a:rPr lang="en-US" dirty="0" err="1" smtClean="0"/>
-              <a:t>familiarizado</a:t>
-            </a:r>
-            <a:r>
-              <a:rPr lang="en-US" dirty="0" smtClean="0"/>
-              <a:t> com o </a:t>
-            </a:r>
-            <a:r>
-              <a:rPr lang="en-US" dirty="0" err="1" smtClean="0"/>
-              <a:t>controle</a:t>
-            </a:r>
-            <a:r>
-              <a:rPr lang="en-US" dirty="0" smtClean="0"/>
-              <a:t> </a:t>
-            </a:r>
-            <a:r>
-              <a:rPr lang="en-US" dirty="0" err="1" smtClean="0"/>
-              <a:t>proporcional</a:t>
-            </a:r>
-            <a:r>
-              <a:rPr lang="en-US" dirty="0" smtClean="0"/>
-              <a:t>, </a:t>
-            </a:r>
-            <a:r>
-              <a:rPr lang="en-US" dirty="0" err="1" smtClean="0"/>
-              <a:t>por</a:t>
-            </a:r>
-            <a:r>
-              <a:rPr lang="en-US" dirty="0" smtClean="0"/>
-              <a:t> favor </a:t>
-            </a:r>
-            <a:r>
-              <a:rPr lang="en-US" dirty="0" err="1" smtClean="0"/>
-              <a:t>verifique</a:t>
-            </a:r>
-            <a:r>
-              <a:rPr lang="en-US" dirty="0" smtClean="0"/>
-              <a:t> a </a:t>
-            </a:r>
-            <a:r>
-              <a:rPr lang="en-US" dirty="0" err="1" smtClean="0"/>
-              <a:t>lição</a:t>
-            </a:r>
-            <a:r>
-              <a:rPr lang="en-US" dirty="0" smtClean="0"/>
-              <a:t> de </a:t>
-            </a:r>
-            <a:r>
-              <a:rPr lang="en-US" dirty="0" err="1" smtClean="0"/>
-              <a:t>controle</a:t>
-            </a:r>
-            <a:r>
-              <a:rPr lang="en-US" dirty="0" smtClean="0"/>
-              <a:t> </a:t>
-            </a:r>
-            <a:r>
-              <a:rPr lang="en-US" dirty="0" err="1" smtClean="0"/>
-              <a:t>proporcioanl</a:t>
-            </a:r>
-            <a:r>
-              <a:rPr lang="en-US" dirty="0" smtClean="0"/>
-              <a:t> antes de </a:t>
-            </a:r>
-            <a:r>
-              <a:rPr lang="en-US" dirty="0" err="1" smtClean="0"/>
-              <a:t>continuar</a:t>
-            </a:r>
-            <a:r>
-              <a:rPr lang="en-US" dirty="0" smtClean="0"/>
-              <a:t>.</a:t>
-            </a:r>
-            <a:endParaRPr lang="en-US" dirty="0"/>
-          </a:p>
-          <a:p>
-            <a:pPr marL="803275" lvl="1" indent="-342900">
-              <a:buFont typeface="Arial"/>
-              <a:buChar char="•"/>
-            </a:pPr>
-            <a:r>
-              <a:rPr lang="en-US" dirty="0" smtClean="0"/>
-              <a:t>A </a:t>
-            </a:r>
-            <a:r>
-              <a:rPr lang="en-US" dirty="0" err="1" smtClean="0"/>
-              <a:t>ideia</a:t>
-            </a:r>
-            <a:r>
-              <a:rPr lang="en-US" dirty="0" smtClean="0"/>
-              <a:t> </a:t>
-            </a:r>
-            <a:r>
-              <a:rPr lang="en-US" dirty="0" err="1" smtClean="0"/>
-              <a:t>básica</a:t>
-            </a:r>
-            <a:r>
-              <a:rPr lang="en-US" dirty="0" smtClean="0"/>
-              <a:t> é </a:t>
-            </a:r>
-            <a:r>
-              <a:rPr lang="en-US" dirty="0" err="1" smtClean="0"/>
-              <a:t>usar</a:t>
-            </a:r>
-            <a:r>
-              <a:rPr lang="en-US" dirty="0" smtClean="0"/>
-              <a:t> a </a:t>
-            </a:r>
-            <a:r>
-              <a:rPr lang="en-US" dirty="0" err="1" smtClean="0"/>
-              <a:t>posição</a:t>
-            </a:r>
-            <a:r>
-              <a:rPr lang="en-US" dirty="0" smtClean="0"/>
-              <a:t> </a:t>
-            </a:r>
-            <a:r>
-              <a:rPr lang="en-US" dirty="0" err="1" smtClean="0"/>
-              <a:t>atual</a:t>
-            </a:r>
-            <a:r>
-              <a:rPr lang="en-US" dirty="0" smtClean="0"/>
-              <a:t> do gyro e o local </a:t>
-            </a:r>
-            <a:r>
-              <a:rPr lang="en-US" dirty="0" err="1" smtClean="0"/>
-              <a:t>onde</a:t>
-            </a:r>
-            <a:r>
-              <a:rPr lang="en-US" dirty="0" smtClean="0"/>
-              <a:t> se </a:t>
-            </a:r>
-            <a:r>
-              <a:rPr lang="en-US" dirty="0" err="1" smtClean="0"/>
-              <a:t>deseja</a:t>
-            </a:r>
-            <a:r>
-              <a:rPr lang="en-US" dirty="0" smtClean="0"/>
-              <a:t> </a:t>
-            </a:r>
-            <a:r>
-              <a:rPr lang="en-US" dirty="0" err="1" smtClean="0"/>
-              <a:t>posicionar</a:t>
-            </a:r>
-            <a:r>
-              <a:rPr lang="en-US" dirty="0" smtClean="0"/>
-              <a:t> para </a:t>
-            </a:r>
-            <a:r>
-              <a:rPr lang="en-US" dirty="0" err="1" smtClean="0"/>
-              <a:t>determinar</a:t>
-            </a:r>
-            <a:r>
-              <a:rPr lang="en-US" dirty="0" smtClean="0"/>
-              <a:t> a </a:t>
-            </a:r>
-            <a:r>
-              <a:rPr lang="en-US" dirty="0" err="1" smtClean="0"/>
-              <a:t>força</a:t>
-            </a:r>
-            <a:r>
-              <a:rPr lang="en-US" dirty="0" smtClean="0"/>
-              <a:t> do motor</a:t>
-            </a:r>
-            <a:r>
-              <a:rPr lang="en-US" b="0" dirty="0" smtClean="0"/>
-              <a:t>.</a:t>
-            </a:r>
-            <a:r>
-              <a:rPr lang="en-US" b="0" dirty="0"/>
-              <a:t>  </a:t>
-            </a:r>
-            <a:endParaRPr lang="en-US" b="0" dirty="0" smtClean="0"/>
-          </a:p>
-          <a:p>
-            <a:pPr marL="342900" indent="-342900">
-              <a:buFont typeface="Arial"/>
-              <a:buChar char="•"/>
-            </a:pPr>
-            <a:r>
-              <a:rPr lang="en-US" b="0" dirty="0" smtClean="0"/>
-              <a:t>Nota do Construction Mavericks: </a:t>
-            </a:r>
-            <a:r>
-              <a:rPr lang="en-US" b="0" dirty="0" err="1" smtClean="0"/>
-              <a:t>Não</a:t>
-            </a:r>
-            <a:r>
-              <a:rPr lang="en-US" b="0" dirty="0" smtClean="0"/>
-              <a:t> é </a:t>
-            </a:r>
-            <a:r>
-              <a:rPr lang="en-US" b="0" dirty="0" err="1" smtClean="0"/>
-              <a:t>perfeito</a:t>
-            </a:r>
-            <a:r>
-              <a:rPr lang="en-US" b="0" dirty="0" smtClean="0"/>
-              <a:t>, mas </a:t>
-            </a:r>
-            <a:r>
-              <a:rPr lang="en-US" b="0" dirty="0" err="1" smtClean="0"/>
-              <a:t>teremos</a:t>
-            </a:r>
-            <a:r>
-              <a:rPr lang="en-US" b="0" dirty="0" smtClean="0"/>
-              <a:t> um </a:t>
-            </a:r>
-            <a:r>
-              <a:rPr lang="en-US" b="0" dirty="0" err="1" smtClean="0"/>
-              <a:t>sucesso</a:t>
-            </a:r>
-            <a:r>
-              <a:rPr lang="en-US" b="0" dirty="0" smtClean="0"/>
-              <a:t> </a:t>
-            </a:r>
-            <a:r>
-              <a:rPr lang="en-US" b="0" dirty="0" err="1" smtClean="0"/>
-              <a:t>muito</a:t>
-            </a:r>
-            <a:r>
-              <a:rPr lang="en-US" b="0" dirty="0" smtClean="0"/>
-              <a:t> </a:t>
-            </a:r>
-            <a:r>
-              <a:rPr lang="en-US" b="0" dirty="0" err="1" smtClean="0"/>
-              <a:t>maior</a:t>
-            </a:r>
-            <a:r>
-              <a:rPr lang="en-US" b="0" dirty="0" smtClean="0"/>
-              <a:t> com </a:t>
-            </a:r>
-            <a:r>
-              <a:rPr lang="en-US" b="0" dirty="0" err="1" smtClean="0"/>
-              <a:t>estes</a:t>
-            </a:r>
-            <a:r>
-              <a:rPr lang="en-US" b="0" dirty="0" smtClean="0"/>
-              <a:t> </a:t>
-            </a:r>
-            <a:r>
-              <a:rPr lang="en-US" b="0" dirty="0" err="1" smtClean="0"/>
-              <a:t>blocos</a:t>
-            </a:r>
-            <a:r>
-              <a:rPr lang="en-US" b="0" dirty="0" smtClean="0"/>
-              <a:t> do </a:t>
-            </a:r>
-            <a:r>
-              <a:rPr lang="en-US" b="0" dirty="0" err="1" smtClean="0"/>
-              <a:t>que</a:t>
-            </a:r>
-            <a:r>
-              <a:rPr lang="en-US" b="0" dirty="0" smtClean="0"/>
-              <a:t> com </a:t>
-            </a:r>
-            <a:r>
-              <a:rPr lang="en-US" b="0" dirty="0" err="1" smtClean="0"/>
-              <a:t>correções</a:t>
-            </a:r>
-            <a:r>
-              <a:rPr lang="en-US" b="0" dirty="0" smtClean="0"/>
-              <a:t> “</a:t>
-            </a:r>
-            <a:r>
-              <a:rPr lang="en-US" b="0" dirty="0" err="1" smtClean="0"/>
-              <a:t>aproximadas</a:t>
-            </a:r>
-            <a:r>
-              <a:rPr lang="en-US" b="0" dirty="0" smtClean="0"/>
-              <a:t>”.</a:t>
-            </a:r>
-            <a:r>
-              <a:rPr lang="en-US" b="0" dirty="0"/>
-              <a:t>  </a:t>
-            </a:r>
-            <a:endParaRPr lang="en-US" b="0" dirty="0" smtClean="0"/>
-          </a:p>
-          <a:p>
-            <a:pPr marL="342900" indent="-342900">
-              <a:buFont typeface="Arial"/>
-              <a:buChar char="•"/>
-            </a:pPr>
-            <a:r>
-              <a:rPr lang="en-US" b="0" dirty="0" err="1" smtClean="0"/>
-              <a:t>Dica</a:t>
-            </a:r>
-            <a:r>
-              <a:rPr lang="en-US" b="0" dirty="0" smtClean="0"/>
-              <a:t> do Construction Mavericks:  </a:t>
-            </a:r>
-            <a:r>
-              <a:rPr lang="en-US" b="0" dirty="0" err="1" smtClean="0"/>
-              <a:t>Tente</a:t>
-            </a:r>
-            <a:r>
-              <a:rPr lang="en-US" b="0" dirty="0" smtClean="0"/>
-              <a:t> </a:t>
-            </a:r>
-            <a:r>
-              <a:rPr lang="en-US" b="0" dirty="0" err="1" smtClean="0"/>
-              <a:t>definir</a:t>
-            </a:r>
-            <a:r>
-              <a:rPr lang="en-US" b="0" dirty="0" smtClean="0"/>
-              <a:t> o </a:t>
-            </a:r>
-            <a:r>
-              <a:rPr lang="en-US" b="0" dirty="0" err="1" smtClean="0"/>
-              <a:t>laço</a:t>
-            </a:r>
-            <a:r>
-              <a:rPr lang="en-US" b="0" dirty="0" smtClean="0"/>
-              <a:t> </a:t>
-            </a:r>
-            <a:r>
-              <a:rPr lang="en-US" b="0" dirty="0" err="1" smtClean="0"/>
-              <a:t>externo</a:t>
-            </a:r>
-            <a:r>
-              <a:rPr lang="en-US" b="0" dirty="0" smtClean="0"/>
-              <a:t> </a:t>
-            </a:r>
-            <a:r>
-              <a:rPr lang="en-US" b="0" dirty="0" err="1" smtClean="0"/>
-              <a:t>como</a:t>
-            </a:r>
-            <a:r>
-              <a:rPr lang="en-US" b="0" dirty="0" smtClean="0"/>
-              <a:t> um </a:t>
-            </a:r>
-            <a:r>
-              <a:rPr lang="en-US" b="0" dirty="0" err="1" smtClean="0"/>
-              <a:t>laço</a:t>
-            </a:r>
-            <a:r>
-              <a:rPr lang="en-US" b="0" dirty="0" smtClean="0"/>
-              <a:t> </a:t>
-            </a:r>
-            <a:r>
-              <a:rPr lang="en-US" b="0" dirty="0" err="1" smtClean="0"/>
-              <a:t>infinito</a:t>
-            </a:r>
-            <a:r>
-              <a:rPr lang="en-US" b="0" dirty="0" smtClean="0"/>
-              <a:t>. Uma </a:t>
-            </a:r>
-            <a:r>
-              <a:rPr lang="en-US" b="0" dirty="0" err="1" smtClean="0"/>
-              <a:t>vez</a:t>
-            </a:r>
-            <a:r>
-              <a:rPr lang="en-US" b="0" dirty="0" smtClean="0"/>
-              <a:t> </a:t>
-            </a:r>
-            <a:r>
-              <a:rPr lang="en-US" b="0" dirty="0" err="1" smtClean="0"/>
-              <a:t>que</a:t>
-            </a:r>
-            <a:r>
-              <a:rPr lang="en-US" b="0" dirty="0" smtClean="0"/>
-              <a:t> o </a:t>
-            </a:r>
-            <a:r>
-              <a:rPr lang="en-US" b="0" dirty="0" err="1" smtClean="0"/>
-              <a:t>robô</a:t>
-            </a:r>
-            <a:r>
-              <a:rPr lang="en-US" b="0" dirty="0" smtClean="0"/>
-              <a:t> </a:t>
-            </a:r>
-            <a:r>
-              <a:rPr lang="en-US" dirty="0" err="1" smtClean="0"/>
-              <a:t>chegue</a:t>
-            </a:r>
-            <a:r>
-              <a:rPr lang="en-US" dirty="0" smtClean="0"/>
-              <a:t> </a:t>
-            </a:r>
-            <a:r>
-              <a:rPr lang="en-US" b="0" dirty="0" smtClean="0"/>
-              <a:t>no </a:t>
-            </a:r>
-            <a:r>
-              <a:rPr lang="en-US" b="0" dirty="0" err="1" smtClean="0"/>
-              <a:t>lugar</a:t>
-            </a:r>
-            <a:r>
-              <a:rPr lang="en-US" b="0" dirty="0" smtClean="0"/>
-              <a:t>, </a:t>
-            </a:r>
-            <a:r>
-              <a:rPr lang="en-US" b="0" dirty="0" err="1" smtClean="0"/>
-              <a:t>pegue</a:t>
-            </a:r>
-            <a:r>
-              <a:rPr lang="en-US" b="0" dirty="0" smtClean="0"/>
-              <a:t> e </a:t>
-            </a:r>
-            <a:r>
-              <a:rPr lang="en-US" b="0" dirty="0" err="1" smtClean="0"/>
-              <a:t>rotacione</a:t>
-            </a:r>
-            <a:r>
-              <a:rPr lang="en-US" b="0" dirty="0" smtClean="0"/>
-              <a:t> e o </a:t>
-            </a:r>
-            <a:r>
-              <a:rPr lang="en-US" b="0" dirty="0" err="1" smtClean="0"/>
-              <a:t>veja</a:t>
-            </a:r>
-            <a:r>
-              <a:rPr lang="en-US" b="0" dirty="0" smtClean="0"/>
-              <a:t> </a:t>
-            </a:r>
-            <a:r>
-              <a:rPr lang="en-US" b="0" dirty="0" err="1" smtClean="0"/>
-              <a:t>tentar</a:t>
-            </a:r>
-            <a:r>
-              <a:rPr lang="en-US" b="0" dirty="0" smtClean="0"/>
-              <a:t> </a:t>
-            </a:r>
-            <a:r>
-              <a:rPr lang="en-US" b="0" dirty="0" err="1" smtClean="0"/>
-              <a:t>voltar</a:t>
-            </a:r>
-            <a:r>
-              <a:rPr lang="en-US" b="0" dirty="0" smtClean="0"/>
-              <a:t> para </a:t>
-            </a:r>
-            <a:r>
-              <a:rPr lang="en-US" b="0" dirty="0" err="1" smtClean="0"/>
-              <a:t>onde</a:t>
-            </a:r>
-            <a:r>
-              <a:rPr lang="en-US" b="0" dirty="0" smtClean="0"/>
-              <a:t> </a:t>
-            </a:r>
-            <a:r>
-              <a:rPr lang="en-US" b="0" dirty="0" err="1" smtClean="0"/>
-              <a:t>ele</a:t>
-            </a:r>
-            <a:r>
-              <a:rPr lang="en-US" b="0" dirty="0" smtClean="0"/>
-              <a:t> </a:t>
-            </a:r>
-            <a:r>
-              <a:rPr lang="en-US" b="0" dirty="0" err="1" smtClean="0"/>
-              <a:t>deveria</a:t>
-            </a:r>
-            <a:r>
-              <a:rPr lang="en-US" b="0" dirty="0" smtClean="0"/>
-              <a:t> </a:t>
-            </a:r>
-            <a:r>
-              <a:rPr lang="en-US" b="0" dirty="0" err="1" smtClean="0"/>
-              <a:t>estar</a:t>
-            </a:r>
-            <a:r>
-              <a:rPr lang="en-US" b="0" dirty="0" smtClean="0"/>
-              <a:t>.</a:t>
-            </a:r>
-            <a:endParaRPr lang="en-US" b="0" dirty="0"/>
-          </a:p>
-        </p:txBody>
-      </p:sp>
-      <p:sp>
-        <p:nvSpPr>
-          <p:cNvPr id="4" name="Footer Placeholder 3"/>
-          <p:cNvSpPr>
-            <a:spLocks noGrp="1"/>
-          </p:cNvSpPr>
-          <p:nvPr>
-            <p:ph type="ftr" sz="quarter" idx="11"/>
-          </p:nvPr>
-        </p:nvSpPr>
-        <p:spPr/>
-        <p:txBody>
-          <a:bodyPr/>
-          <a:lstStyle/>
-          <a:p>
-            <a:r>
-              <a:rPr lang="en-US" smtClean="0"/>
-              <a:t>© 2015 EV3Lessons.com, Last edit 4/8/2015</a:t>
-            </a:r>
-            <a:endParaRPr lang="en-US" dirty="0"/>
-          </a:p>
-        </p:txBody>
-      </p:sp>
-      <p:sp>
-        <p:nvSpPr>
-          <p:cNvPr id="5" name="Slide Number Placeholder 4"/>
-          <p:cNvSpPr>
-            <a:spLocks noGrp="1"/>
-          </p:cNvSpPr>
-          <p:nvPr>
-            <p:ph type="sldNum" sz="quarter" idx="12"/>
-          </p:nvPr>
-        </p:nvSpPr>
-        <p:spPr/>
-        <p:txBody>
-          <a:bodyPr/>
-          <a:lstStyle/>
-          <a:p>
-            <a:fld id="{4382A7F7-08BF-4252-8141-63FB96055BBB}" type="slidenum">
-              <a:rPr lang="en-US" smtClean="0"/>
-              <a:t>10</a:t>
-            </a:fld>
-            <a:endParaRPr lang="en-US"/>
-          </a:p>
-        </p:txBody>
-      </p:sp>
-    </p:spTree>
-    <p:extLst>
-      <p:ext uri="{BB962C8B-B14F-4D97-AF65-F5344CB8AC3E}">
-        <p14:creationId xmlns:p14="http://schemas.microsoft.com/office/powerpoint/2010/main" val="3719007101"/>
-      </p:ext>
-    </p:extLst>
-  </p:cSld>
-  <p:clrMapOvr>
-    <a:masterClrMapping/>
-  </p:clrMapOvr>
-  <p:timing>
-    <p:tnLst>
-      <p:par>
-        <p:cTn id="1" dur="indefinite" restart="never" nodeType="tmRoot"/>
-      </p:par>
-    </p:tnLst>
-  </p:timing>
-</p:sld>
-</file>
-
-<file path=ppt/slides/slide11.xml><?xml version="1.0" encoding="utf-8"?>
-<p:sld xmlns:a="http://schemas.openxmlformats.org/drawingml/2006/main" xmlns:r="http://schemas.openxmlformats.org/officeDocument/2006/relationships" xmlns:p="http://schemas.openxmlformats.org/presentationml/2006/main">
-  <p:cSld>
-    <p:spTree>
-      <p:nvGrpSpPr>
-        <p:cNvPr id="1" name=""/>
-        <p:cNvGrpSpPr/>
-        <p:nvPr/>
-      </p:nvGrpSpPr>
-      <p:grpSpPr>
-        <a:xfrm>
-          <a:off x="0" y="0"/>
-          <a:ext cx="0" cy="0"/>
-          <a:chOff x="0" y="0"/>
-          <a:chExt cx="0" cy="0"/>
-        </a:xfrm>
-      </p:grpSpPr>
-      <p:sp>
-        <p:nvSpPr>
-          <p:cNvPr id="2" name="Title 1"/>
-          <p:cNvSpPr>
-            <a:spLocks noGrp="1"/>
-          </p:cNvSpPr>
-          <p:nvPr>
-            <p:ph type="title"/>
-          </p:nvPr>
-        </p:nvSpPr>
-        <p:spPr>
-          <a:noFill/>
-        </p:spPr>
-        <p:txBody>
-          <a:bodyPr>
-            <a:normAutofit/>
-          </a:bodyPr>
-          <a:lstStyle/>
-          <a:p>
-            <a:r>
-              <a:rPr lang="en-US" dirty="0" err="1" smtClean="0"/>
-              <a:t>Curva</a:t>
-            </a:r>
-            <a:r>
-              <a:rPr lang="en-US" dirty="0" smtClean="0"/>
-              <a:t> para </a:t>
-            </a:r>
-            <a:r>
-              <a:rPr lang="en-US" dirty="0" err="1" smtClean="0"/>
-              <a:t>Esquerda</a:t>
-            </a:r>
-            <a:r>
-              <a:rPr lang="en-US" dirty="0" smtClean="0"/>
-              <a:t> </a:t>
-            </a:r>
-            <a:r>
-              <a:rPr lang="en-US" dirty="0" err="1" smtClean="0"/>
-              <a:t>Proporcional</a:t>
-            </a:r>
-            <a:endParaRPr lang="en-US" dirty="0"/>
-          </a:p>
-        </p:txBody>
-      </p:sp>
-      <p:sp>
-        <p:nvSpPr>
-          <p:cNvPr id="4" name="Footer Placeholder 3"/>
-          <p:cNvSpPr>
-            <a:spLocks noGrp="1"/>
-          </p:cNvSpPr>
-          <p:nvPr>
-            <p:ph type="ftr" sz="quarter" idx="11"/>
-          </p:nvPr>
-        </p:nvSpPr>
-        <p:spPr/>
-        <p:txBody>
-          <a:bodyPr/>
-          <a:lstStyle/>
-          <a:p>
-            <a:r>
-              <a:rPr lang="en-US" smtClean="0"/>
-              <a:t>© 2015 EV3Lessons.com, Last edit 4/8/2015</a:t>
-            </a:r>
-            <a:endParaRPr lang="en-US"/>
-          </a:p>
-        </p:txBody>
-      </p:sp>
-      <p:sp>
-        <p:nvSpPr>
-          <p:cNvPr id="5" name="Slide Number Placeholder 4"/>
-          <p:cNvSpPr>
-            <a:spLocks noGrp="1"/>
-          </p:cNvSpPr>
-          <p:nvPr>
-            <p:ph type="sldNum" sz="quarter" idx="12"/>
-          </p:nvPr>
-        </p:nvSpPr>
-        <p:spPr/>
-        <p:txBody>
-          <a:bodyPr/>
-          <a:lstStyle/>
-          <a:p>
-            <a:fld id="{4382A7F7-08BF-4252-8141-63FB96055BBB}" type="slidenum">
-              <a:rPr lang="en-US" smtClean="0"/>
-              <a:t>11</a:t>
-            </a:fld>
-            <a:endParaRPr lang="en-US"/>
-          </a:p>
-        </p:txBody>
-      </p:sp>
-      <p:pic>
-        <p:nvPicPr>
-          <p:cNvPr id="8" name="Content Placeholder 7"/>
-          <p:cNvPicPr>
-            <a:picLocks noGrp="1" noChangeAspect="1"/>
-          </p:cNvPicPr>
-          <p:nvPr>
-            <p:ph idx="1"/>
-          </p:nvPr>
-        </p:nvPicPr>
-        <p:blipFill>
-          <a:blip r:embed="rId2"/>
-          <a:stretch>
-            <a:fillRect/>
-          </a:stretch>
-        </p:blipFill>
-        <p:spPr>
-          <a:xfrm>
-            <a:off x="284163" y="1779358"/>
-            <a:ext cx="8574087" cy="1112392"/>
-          </a:xfrm>
-          <a:prstGeom prst="rect">
-            <a:avLst/>
-          </a:prstGeom>
-        </p:spPr>
-      </p:pic>
-      <p:pic>
-        <p:nvPicPr>
-          <p:cNvPr id="9" name="Picture 8"/>
-          <p:cNvPicPr>
-            <a:picLocks noChangeAspect="1"/>
-          </p:cNvPicPr>
-          <p:nvPr/>
-        </p:nvPicPr>
-        <p:blipFill>
-          <a:blip r:embed="rId3"/>
-          <a:stretch>
-            <a:fillRect/>
-          </a:stretch>
-        </p:blipFill>
-        <p:spPr>
-          <a:xfrm>
-            <a:off x="777932" y="2889427"/>
-            <a:ext cx="7843837" cy="3895193"/>
-          </a:xfrm>
-          <a:prstGeom prst="rect">
-            <a:avLst/>
-          </a:prstGeom>
-        </p:spPr>
-      </p:pic>
-      <p:sp>
-        <p:nvSpPr>
-          <p:cNvPr id="6" name="Content Placeholder 2"/>
-          <p:cNvSpPr txBox="1">
-            <a:spLocks/>
-          </p:cNvSpPr>
-          <p:nvPr/>
-        </p:nvSpPr>
-        <p:spPr>
-          <a:xfrm>
-            <a:off x="284163" y="4937959"/>
-            <a:ext cx="2600716" cy="1846661"/>
-          </a:xfrm>
-          <a:prstGeom prst="rect">
-            <a:avLst/>
-          </a:prstGeom>
-          <a:solidFill>
-            <a:srgbClr val="92D050"/>
-          </a:solidFill>
-        </p:spPr>
-        <p:txBody>
-          <a:bodyPr vert="horz" lIns="91440" tIns="45720" rIns="91440" bIns="45720" rtlCol="0">
-            <a:noAutofit/>
-          </a:bodyPr>
-          <a:lstStyle>
-            <a:lvl1pPr marL="454025" indent="-454025" algn="l" defTabSz="914400" rtl="0" eaLnBrk="1" latinLnBrk="0" hangingPunct="1">
-              <a:spcBef>
-                <a:spcPts val="2000"/>
-              </a:spcBef>
-              <a:buClr>
-                <a:schemeClr val="bg1">
-                  <a:lumMod val="65000"/>
-                </a:schemeClr>
-              </a:buClr>
-              <a:buSzPct val="90000"/>
-              <a:buFont typeface="Wingdings" pitchFamily="2" charset="2"/>
-              <a:buChar char=""/>
-              <a:defRPr sz="2400" kern="1200">
-                <a:solidFill>
-                  <a:schemeClr val="tx1">
-                    <a:lumMod val="85000"/>
-                    <a:lumOff val="15000"/>
-                  </a:schemeClr>
-                </a:solidFill>
-                <a:latin typeface="+mn-lt"/>
-                <a:ea typeface="+mn-ea"/>
-                <a:cs typeface="+mn-cs"/>
-              </a:defRPr>
-            </a:lvl1pPr>
-            <a:lvl2pPr marL="914400" indent="-457200" algn="l" defTabSz="914400" rtl="0" eaLnBrk="1" latinLnBrk="0" hangingPunct="1">
-              <a:spcBef>
-                <a:spcPts val="600"/>
-              </a:spcBef>
-              <a:buClr>
-                <a:schemeClr val="tx1">
-                  <a:lumMod val="75000"/>
-                  <a:lumOff val="25000"/>
-                </a:schemeClr>
-              </a:buClr>
-              <a:buSzPct val="90000"/>
-              <a:buFont typeface="Wingdings" pitchFamily="2" charset="2"/>
-              <a:buChar char=""/>
-              <a:defRPr sz="2200" kern="1200">
-                <a:solidFill>
-                  <a:schemeClr val="tx1">
-                    <a:lumMod val="85000"/>
-                    <a:lumOff val="15000"/>
-                  </a:schemeClr>
-                </a:solidFill>
-                <a:latin typeface="+mn-lt"/>
-                <a:ea typeface="+mn-ea"/>
-                <a:cs typeface="+mn-cs"/>
-              </a:defRPr>
-            </a:lvl2pPr>
-            <a:lvl3pPr marL="1260475" indent="-346075" algn="l" defTabSz="914400" rtl="0" eaLnBrk="1" latinLnBrk="0" hangingPunct="1">
-              <a:spcBef>
-                <a:spcPts val="600"/>
-              </a:spcBef>
-              <a:buClr>
-                <a:schemeClr val="bg1">
-                  <a:lumMod val="65000"/>
-                </a:schemeClr>
-              </a:buClr>
-              <a:buSzPct val="90000"/>
-              <a:buFont typeface="Wingdings" pitchFamily="2" charset="2"/>
-              <a:buChar char=""/>
-              <a:defRPr sz="2000" kern="1200">
-                <a:solidFill>
-                  <a:schemeClr val="tx1">
-                    <a:lumMod val="85000"/>
-                    <a:lumOff val="15000"/>
-                  </a:schemeClr>
-                </a:solidFill>
-                <a:latin typeface="+mn-lt"/>
-                <a:ea typeface="+mn-ea"/>
-                <a:cs typeface="+mn-cs"/>
-              </a:defRPr>
-            </a:lvl3pPr>
-            <a:lvl4pPr marL="1600200" indent="-339725" algn="l" defTabSz="914400" rtl="0" eaLnBrk="1" latinLnBrk="0" hangingPunct="1">
-              <a:spcBef>
-                <a:spcPts val="600"/>
-              </a:spcBef>
-              <a:buClr>
-                <a:schemeClr val="tx1">
-                  <a:lumMod val="75000"/>
-                  <a:lumOff val="25000"/>
-                </a:schemeClr>
-              </a:buClr>
-              <a:buSzPct val="90000"/>
-              <a:buFont typeface="Wingdings" pitchFamily="2" charset="2"/>
-              <a:buChar char=""/>
-              <a:defRPr sz="1800" kern="1200">
-                <a:solidFill>
-                  <a:schemeClr val="tx1">
-                    <a:lumMod val="85000"/>
-                    <a:lumOff val="15000"/>
-                  </a:schemeClr>
-                </a:solidFill>
-                <a:latin typeface="+mn-lt"/>
-                <a:ea typeface="+mn-ea"/>
-                <a:cs typeface="+mn-cs"/>
-              </a:defRPr>
-            </a:lvl4pPr>
-            <a:lvl5pPr marL="1939925" indent="-331788" algn="l" defTabSz="914400" rtl="0" eaLnBrk="1" latinLnBrk="0" hangingPunct="1">
-              <a:spcBef>
-                <a:spcPts val="600"/>
-              </a:spcBef>
-              <a:buClr>
-                <a:schemeClr val="bg1">
-                  <a:lumMod val="65000"/>
-                </a:schemeClr>
-              </a:buClr>
-              <a:buSzPct val="90000"/>
-              <a:buFont typeface="Wingdings" pitchFamily="2" charset="2"/>
-              <a:buChar char=""/>
-              <a:defRPr sz="1800" kern="1200">
-                <a:solidFill>
-                  <a:schemeClr val="tx1">
-                    <a:lumMod val="85000"/>
-                    <a:lumOff val="15000"/>
-                  </a:schemeClr>
-                </a:solidFill>
-                <a:latin typeface="+mn-lt"/>
-                <a:ea typeface="+mn-ea"/>
-                <a:cs typeface="+mn-cs"/>
-              </a:defRPr>
-            </a:lvl5pPr>
-            <a:lvl6pPr marL="2290763" indent="-344488" algn="l" defTabSz="914400" rtl="0" eaLnBrk="1" latinLnBrk="0" hangingPunct="1">
-              <a:spcBef>
-                <a:spcPts val="600"/>
-              </a:spcBef>
-              <a:buClr>
-                <a:schemeClr val="tx1">
-                  <a:lumMod val="75000"/>
-                  <a:lumOff val="25000"/>
-                </a:schemeClr>
-              </a:buClr>
-              <a:buSzPct val="90000"/>
-              <a:buFont typeface="Wingdings" pitchFamily="2" charset="2"/>
-              <a:buChar char=""/>
-              <a:defRPr lang="en-US" sz="1800" kern="1200" dirty="0" smtClean="0">
-                <a:solidFill>
-                  <a:schemeClr val="tx1">
-                    <a:lumMod val="85000"/>
-                    <a:lumOff val="15000"/>
-                  </a:schemeClr>
-                </a:solidFill>
-                <a:latin typeface="+mn-lt"/>
-                <a:ea typeface="+mn-ea"/>
-                <a:cs typeface="+mn-cs"/>
-              </a:defRPr>
-            </a:lvl6pPr>
-            <a:lvl7pPr marL="2625725" indent="-344488" algn="l" defTabSz="914400" rtl="0" eaLnBrk="1" latinLnBrk="0" hangingPunct="1">
-              <a:spcBef>
-                <a:spcPts val="600"/>
-              </a:spcBef>
-              <a:buClr>
-                <a:schemeClr val="bg1">
-                  <a:lumMod val="65000"/>
-                </a:schemeClr>
-              </a:buClr>
-              <a:buSzPct val="90000"/>
-              <a:buFont typeface="Wingdings" pitchFamily="2" charset="2"/>
-              <a:buChar char=""/>
-              <a:defRPr lang="en-US" sz="1800" kern="1200" dirty="0" smtClean="0">
-                <a:solidFill>
-                  <a:schemeClr val="tx1">
-                    <a:lumMod val="85000"/>
-                    <a:lumOff val="15000"/>
-                  </a:schemeClr>
-                </a:solidFill>
-                <a:latin typeface="+mn-lt"/>
-                <a:ea typeface="+mn-ea"/>
-                <a:cs typeface="+mn-cs"/>
-              </a:defRPr>
-            </a:lvl7pPr>
-            <a:lvl8pPr marL="2970213" indent="-344488" algn="l" defTabSz="914400" rtl="0" eaLnBrk="1" latinLnBrk="0" hangingPunct="1">
-              <a:spcBef>
-                <a:spcPts val="600"/>
-              </a:spcBef>
-              <a:buClr>
-                <a:schemeClr val="tx1">
-                  <a:lumMod val="75000"/>
-                  <a:lumOff val="25000"/>
-                </a:schemeClr>
-              </a:buClr>
-              <a:buSzPct val="90000"/>
-              <a:buFont typeface="Wingdings" pitchFamily="2" charset="2"/>
-              <a:buChar char=""/>
-              <a:defRPr lang="en-US" sz="1800" kern="1200" dirty="0" smtClean="0">
-                <a:solidFill>
-                  <a:schemeClr val="tx1">
-                    <a:lumMod val="85000"/>
-                    <a:lumOff val="15000"/>
-                  </a:schemeClr>
-                </a:solidFill>
-                <a:latin typeface="+mn-lt"/>
-                <a:ea typeface="+mn-ea"/>
-                <a:cs typeface="+mn-cs"/>
-              </a:defRPr>
-            </a:lvl8pPr>
-            <a:lvl9pPr marL="3313113" indent="-344488" algn="l" defTabSz="914400" rtl="0" eaLnBrk="1" latinLnBrk="0" hangingPunct="1">
-              <a:spcBef>
-                <a:spcPts val="600"/>
-              </a:spcBef>
-              <a:buClr>
-                <a:schemeClr val="bg1">
-                  <a:lumMod val="65000"/>
-                </a:schemeClr>
-              </a:buClr>
-              <a:buSzPct val="90000"/>
-              <a:buFont typeface="Wingdings" pitchFamily="2" charset="2"/>
-              <a:buChar char=""/>
-              <a:defRPr lang="en-US" sz="1800" kern="1200" dirty="0">
-                <a:solidFill>
-                  <a:schemeClr val="tx1">
-                    <a:lumMod val="85000"/>
-                    <a:lumOff val="15000"/>
-                  </a:schemeClr>
-                </a:solidFill>
-                <a:latin typeface="+mn-lt"/>
-                <a:ea typeface="+mn-ea"/>
-                <a:cs typeface="+mn-cs"/>
-              </a:defRPr>
-            </a:lvl9pPr>
-          </a:lstStyle>
-          <a:p>
-            <a:pPr marL="0" indent="0">
-              <a:buNone/>
-            </a:pPr>
-            <a:r>
-              <a:rPr lang="pt-BR" sz="1000" dirty="0">
-                <a:solidFill>
-                  <a:srgbClr val="FF0000"/>
-                </a:solidFill>
-              </a:rPr>
-              <a:t>O que está acontecendo com o bloco matemático de Curva </a:t>
-            </a:r>
-            <a:r>
-              <a:rPr lang="pt-BR" sz="1000" dirty="0" smtClean="0">
-                <a:solidFill>
-                  <a:srgbClr val="FF0000"/>
-                </a:solidFill>
-              </a:rPr>
-              <a:t>para </a:t>
-            </a:r>
-            <a:r>
-              <a:rPr lang="pt-BR" sz="1000" dirty="0">
-                <a:solidFill>
-                  <a:srgbClr val="FF0000"/>
-                </a:solidFill>
-              </a:rPr>
-              <a:t>esquerda? Você sempre calcula META/OBJETIVO menos VALOR CORRENTE. Então, por que um Bloco Matemático de Adição? Quando você faz uma curva para esquerda, o </a:t>
-            </a:r>
-            <a:r>
-              <a:rPr lang="pt-BR" sz="1000" dirty="0" err="1">
-                <a:solidFill>
-                  <a:srgbClr val="FF0000"/>
-                </a:solidFill>
-              </a:rPr>
-              <a:t>Gyro</a:t>
-            </a:r>
-            <a:r>
-              <a:rPr lang="pt-BR" sz="1000" dirty="0">
-                <a:solidFill>
-                  <a:srgbClr val="FF0000"/>
-                </a:solidFill>
-              </a:rPr>
-              <a:t> sempre retorna graus negativos. Da matemática sabemos que adicionar um número negativo é o mesmo que subtrair um número. Por isso, nós usamos um Bloco Matemático de Adição na Curva para Esquerda com o </a:t>
-            </a:r>
-            <a:r>
-              <a:rPr lang="pt-BR" sz="1000" dirty="0" err="1">
-                <a:solidFill>
-                  <a:srgbClr val="FF0000"/>
-                </a:solidFill>
-              </a:rPr>
-              <a:t>Gyro</a:t>
-            </a:r>
-            <a:r>
-              <a:rPr lang="pt-BR" sz="1000" dirty="0">
-                <a:solidFill>
-                  <a:srgbClr val="FF0000"/>
-                </a:solidFill>
-              </a:rPr>
-              <a:t>.</a:t>
-            </a:r>
-            <a:endParaRPr lang="en-US" sz="1000" dirty="0">
-              <a:solidFill>
-                <a:srgbClr val="FF0000"/>
-              </a:solidFill>
-            </a:endParaRPr>
-          </a:p>
-        </p:txBody>
-      </p:sp>
-    </p:spTree>
-    <p:extLst>
-      <p:ext uri="{BB962C8B-B14F-4D97-AF65-F5344CB8AC3E}">
-        <p14:creationId xmlns:p14="http://schemas.microsoft.com/office/powerpoint/2010/main" val="1646099312"/>
-      </p:ext>
-    </p:extLst>
-  </p:cSld>
-  <p:clrMapOvr>
-    <a:masterClrMapping/>
-  </p:clrMapOvr>
-  <p:timing>
-    <p:tnLst>
-      <p:par>
-        <p:cTn id="1" dur="indefinite" restart="never" nodeType="tmRoot"/>
-      </p:par>
-    </p:tnLst>
-  </p:timing>
-</p:sld>
-</file>
-
-<file path=ppt/slides/slide12.xml><?xml version="1.0" encoding="utf-8"?>
-<p:sld xmlns:a="http://schemas.openxmlformats.org/drawingml/2006/main" xmlns:r="http://schemas.openxmlformats.org/officeDocument/2006/relationships" xmlns:p="http://schemas.openxmlformats.org/presentationml/2006/main">
-  <p:cSld>
-    <p:spTree>
-      <p:nvGrpSpPr>
-        <p:cNvPr id="1" name=""/>
-        <p:cNvGrpSpPr/>
-        <p:nvPr/>
-      </p:nvGrpSpPr>
-      <p:grpSpPr>
-        <a:xfrm>
-          <a:off x="0" y="0"/>
-          <a:ext cx="0" cy="0"/>
-          <a:chOff x="0" y="0"/>
-          <a:chExt cx="0" cy="0"/>
-        </a:xfrm>
-      </p:grpSpPr>
-      <p:sp>
-        <p:nvSpPr>
-          <p:cNvPr id="2" name="Title 1"/>
-          <p:cNvSpPr>
-            <a:spLocks noGrp="1"/>
-          </p:cNvSpPr>
-          <p:nvPr>
-            <p:ph type="title"/>
-          </p:nvPr>
-        </p:nvSpPr>
-        <p:spPr>
-          <a:noFill/>
-        </p:spPr>
-        <p:txBody>
-          <a:bodyPr/>
-          <a:lstStyle/>
-          <a:p>
-            <a:r>
-              <a:rPr lang="en-US" dirty="0"/>
-              <a:t> </a:t>
-            </a:r>
-            <a:r>
-              <a:rPr lang="en-US" dirty="0" err="1"/>
-              <a:t>Curva</a:t>
-            </a:r>
-            <a:r>
-              <a:rPr lang="en-US" dirty="0"/>
-              <a:t> para </a:t>
-            </a:r>
-            <a:r>
-              <a:rPr lang="en-US" dirty="0" err="1" smtClean="0"/>
-              <a:t>Direita</a:t>
-            </a:r>
-            <a:r>
-              <a:rPr lang="en-US" dirty="0" smtClean="0"/>
-              <a:t> </a:t>
-            </a:r>
-            <a:r>
-              <a:rPr lang="en-US" dirty="0" err="1" smtClean="0"/>
-              <a:t>Proporcional</a:t>
-            </a:r>
-            <a:endParaRPr lang="en-US" dirty="0"/>
-          </a:p>
-        </p:txBody>
-      </p:sp>
-      <p:sp>
-        <p:nvSpPr>
-          <p:cNvPr id="4" name="Footer Placeholder 3"/>
-          <p:cNvSpPr>
-            <a:spLocks noGrp="1"/>
-          </p:cNvSpPr>
-          <p:nvPr>
-            <p:ph type="ftr" sz="quarter" idx="11"/>
-          </p:nvPr>
-        </p:nvSpPr>
-        <p:spPr/>
-        <p:txBody>
-          <a:bodyPr/>
-          <a:lstStyle/>
-          <a:p>
-            <a:r>
-              <a:rPr lang="en-US" smtClean="0"/>
-              <a:t>© 2015 EV3Lessons.com, Last edit 4/8/2015</a:t>
-            </a:r>
-            <a:endParaRPr lang="en-US"/>
-          </a:p>
-        </p:txBody>
-      </p:sp>
-      <p:sp>
-        <p:nvSpPr>
-          <p:cNvPr id="3" name="Slide Number Placeholder 2"/>
-          <p:cNvSpPr>
-            <a:spLocks noGrp="1"/>
-          </p:cNvSpPr>
-          <p:nvPr>
-            <p:ph type="sldNum" sz="quarter" idx="12"/>
-          </p:nvPr>
-        </p:nvSpPr>
-        <p:spPr/>
-        <p:txBody>
-          <a:bodyPr/>
-          <a:lstStyle/>
-          <a:p>
-            <a:fld id="{4382A7F7-08BF-4252-8141-63FB96055BBB}" type="slidenum">
-              <a:rPr lang="en-US" smtClean="0"/>
-              <a:t>12</a:t>
-            </a:fld>
-            <a:endParaRPr lang="en-US"/>
-          </a:p>
-        </p:txBody>
-      </p:sp>
-      <p:pic>
-        <p:nvPicPr>
-          <p:cNvPr id="6" name="Content Placeholder 5"/>
-          <p:cNvPicPr>
-            <a:picLocks noGrp="1" noChangeAspect="1"/>
-          </p:cNvPicPr>
-          <p:nvPr>
-            <p:ph idx="1"/>
-          </p:nvPr>
-        </p:nvPicPr>
-        <p:blipFill>
-          <a:blip r:embed="rId2"/>
-          <a:stretch>
-            <a:fillRect/>
-          </a:stretch>
-        </p:blipFill>
-        <p:spPr>
-          <a:xfrm>
-            <a:off x="199698" y="1735065"/>
-            <a:ext cx="8574087" cy="1050781"/>
-          </a:xfrm>
-          <a:prstGeom prst="rect">
-            <a:avLst/>
-          </a:prstGeom>
-        </p:spPr>
-      </p:pic>
-      <p:pic>
-        <p:nvPicPr>
-          <p:cNvPr id="8" name="Picture 7"/>
-          <p:cNvPicPr>
-            <a:picLocks noChangeAspect="1"/>
-          </p:cNvPicPr>
-          <p:nvPr/>
-        </p:nvPicPr>
-        <p:blipFill>
-          <a:blip r:embed="rId3"/>
-          <a:stretch>
-            <a:fillRect/>
-          </a:stretch>
-        </p:blipFill>
-        <p:spPr>
-          <a:xfrm>
-            <a:off x="1145904" y="2723401"/>
-            <a:ext cx="7627881" cy="3773438"/>
-          </a:xfrm>
-          <a:prstGeom prst="rect">
-            <a:avLst/>
-          </a:prstGeom>
-        </p:spPr>
-      </p:pic>
-    </p:spTree>
-    <p:extLst>
-      <p:ext uri="{BB962C8B-B14F-4D97-AF65-F5344CB8AC3E}">
-        <p14:creationId xmlns:p14="http://schemas.microsoft.com/office/powerpoint/2010/main" val="3367053584"/>
-      </p:ext>
-    </p:extLst>
-  </p:cSld>
-  <p:clrMapOvr>
-    <a:masterClrMapping/>
-  </p:clrMapOvr>
-  <p:timing>
-    <p:tnLst>
-      <p:par>
-        <p:cTn id="1" dur="indefinite" restart="never" nodeType="tmRoot"/>
-      </p:par>
-    </p:tnLst>
-  </p:timing>
-</p:sld>
-</file>
-
-<file path=ppt/slides/slide13.xml><?xml version="1.0" encoding="utf-8"?>
-<p:sld xmlns:a="http://schemas.openxmlformats.org/drawingml/2006/main" xmlns:r="http://schemas.openxmlformats.org/officeDocument/2006/relationships" xmlns:p="http://schemas.openxmlformats.org/presentationml/2006/main">
-  <p:cSld>
-    <p:spTree>
-      <p:nvGrpSpPr>
-        <p:cNvPr id="1" name=""/>
-        <p:cNvGrpSpPr/>
-        <p:nvPr/>
-      </p:nvGrpSpPr>
-      <p:grpSpPr>
-        <a:xfrm>
-          <a:off x="0" y="0"/>
-          <a:ext cx="0" cy="0"/>
-          <a:chOff x="0" y="0"/>
-          <a:chExt cx="0" cy="0"/>
-        </a:xfrm>
-      </p:grpSpPr>
-      <p:sp>
-        <p:nvSpPr>
-          <p:cNvPr id="2" name="Title 1"/>
-          <p:cNvSpPr>
-            <a:spLocks noGrp="1"/>
-          </p:cNvSpPr>
-          <p:nvPr>
-            <p:ph type="title"/>
-          </p:nvPr>
-        </p:nvSpPr>
-        <p:spPr>
-          <a:noFill/>
-        </p:spPr>
-        <p:txBody>
           <a:bodyPr/>
           <a:lstStyle/>
           <a:p>
@@ -9994,291 +8577,12 @@
             </a:r>
             <a:r>
               <a:rPr lang="en-US" dirty="0" smtClean="0"/>
-              <a:t> valor real</a:t>
-            </a:r>
-            <a:endParaRPr lang="en-US" dirty="0"/>
-          </a:p>
-          <a:p>
-            <a:pPr marL="457200" lvl="1">
-              <a:spcBef>
-                <a:spcPts val="2000"/>
-              </a:spcBef>
-              <a:buClr>
-                <a:schemeClr val="bg1">
-                  <a:lumMod val="65000"/>
-                </a:schemeClr>
-              </a:buClr>
-              <a:buFont typeface="+mj-lt"/>
-              <a:buAutoNum type="arabicPeriod"/>
-            </a:pPr>
-            <a:r>
-              <a:rPr lang="en-US" dirty="0" err="1" smtClean="0">
-                <a:solidFill>
-                  <a:srgbClr val="FF0000"/>
-                </a:solidFill>
-              </a:rPr>
-              <a:t>Qual</a:t>
-            </a:r>
-            <a:r>
-              <a:rPr lang="en-US" dirty="0" smtClean="0">
-                <a:solidFill>
-                  <a:srgbClr val="FF0000"/>
-                </a:solidFill>
-              </a:rPr>
-              <a:t> é a </a:t>
-            </a:r>
-            <a:r>
-              <a:rPr lang="en-US" dirty="0" err="1" smtClean="0">
-                <a:solidFill>
-                  <a:srgbClr val="FF0000"/>
-                </a:solidFill>
-              </a:rPr>
-              <a:t>diferença</a:t>
-            </a:r>
-            <a:r>
-              <a:rPr lang="en-US" dirty="0" smtClean="0">
-                <a:solidFill>
-                  <a:srgbClr val="FF0000"/>
-                </a:solidFill>
-              </a:rPr>
-              <a:t> entre as </a:t>
-            </a:r>
-            <a:r>
-              <a:rPr lang="en-US" dirty="0" err="1" smtClean="0">
-                <a:solidFill>
-                  <a:srgbClr val="FF0000"/>
-                </a:solidFill>
-              </a:rPr>
-              <a:t>duas</a:t>
-            </a:r>
-            <a:r>
-              <a:rPr lang="en-US" dirty="0" smtClean="0">
-                <a:solidFill>
-                  <a:srgbClr val="FF0000"/>
-                </a:solidFill>
-              </a:rPr>
-              <a:t> </a:t>
-            </a:r>
-            <a:r>
-              <a:rPr lang="en-US" dirty="0" err="1" smtClean="0">
-                <a:solidFill>
-                  <a:srgbClr val="FF0000"/>
-                </a:solidFill>
-              </a:rPr>
-              <a:t>soluções</a:t>
-            </a:r>
-            <a:r>
-              <a:rPr lang="en-US" dirty="0" smtClean="0">
-                <a:solidFill>
-                  <a:srgbClr val="FF0000"/>
-                </a:solidFill>
-              </a:rPr>
-              <a:t> </a:t>
-            </a:r>
-            <a:r>
-              <a:rPr lang="en-US" dirty="0" err="1" smtClean="0">
-                <a:solidFill>
-                  <a:srgbClr val="FF0000"/>
-                </a:solidFill>
-              </a:rPr>
-              <a:t>apresentadas</a:t>
-            </a:r>
-            <a:r>
-              <a:rPr lang="en-US" dirty="0" smtClean="0">
-                <a:solidFill>
-                  <a:srgbClr val="FF0000"/>
-                </a:solidFill>
-              </a:rPr>
-              <a:t> </a:t>
-            </a:r>
-            <a:r>
-              <a:rPr lang="en-US" dirty="0" err="1" smtClean="0">
-                <a:solidFill>
-                  <a:srgbClr val="FF0000"/>
-                </a:solidFill>
-              </a:rPr>
-              <a:t>nesta</a:t>
-            </a:r>
-            <a:r>
-              <a:rPr lang="en-US" dirty="0" smtClean="0">
-                <a:solidFill>
-                  <a:srgbClr val="FF0000"/>
-                </a:solidFill>
-              </a:rPr>
-              <a:t> </a:t>
-            </a:r>
-            <a:r>
-              <a:rPr lang="en-US" dirty="0" err="1" smtClean="0">
-                <a:solidFill>
-                  <a:srgbClr val="FF0000"/>
-                </a:solidFill>
-              </a:rPr>
-              <a:t>lição</a:t>
-            </a:r>
-            <a:r>
-              <a:rPr lang="en-US" dirty="0" smtClean="0">
-                <a:solidFill>
-                  <a:srgbClr val="FF0000"/>
-                </a:solidFill>
-              </a:rPr>
-              <a:t>? </a:t>
-            </a:r>
-            <a:br>
-              <a:rPr lang="en-US" dirty="0" smtClean="0">
-                <a:solidFill>
-                  <a:srgbClr val="FF0000"/>
-                </a:solidFill>
-              </a:rPr>
-            </a:br>
+              <a:t> valor </a:t>
+            </a:r>
             <a:r>
               <a:rPr lang="en-US" dirty="0" smtClean="0"/>
-              <a:t>Resp. A </a:t>
-            </a:r>
-            <a:r>
-              <a:rPr lang="en-US" dirty="0" err="1" smtClean="0"/>
-              <a:t>primeira</a:t>
-            </a:r>
-            <a:r>
-              <a:rPr lang="en-US" dirty="0" smtClean="0"/>
-              <a:t> forma </a:t>
-            </a:r>
-            <a:r>
-              <a:rPr lang="en-US" dirty="0" err="1" smtClean="0"/>
-              <a:t>reduz</a:t>
-            </a:r>
-            <a:r>
-              <a:rPr lang="en-US" dirty="0" smtClean="0"/>
-              <a:t> a </a:t>
-            </a:r>
-            <a:r>
-              <a:rPr lang="en-US" dirty="0" err="1" smtClean="0"/>
-              <a:t>quantidade</a:t>
-            </a:r>
-            <a:r>
-              <a:rPr lang="en-US" dirty="0" smtClean="0"/>
-              <a:t> de </a:t>
-            </a:r>
-            <a:r>
-              <a:rPr lang="en-US" dirty="0" err="1" smtClean="0"/>
-              <a:t>graus</a:t>
-            </a:r>
-            <a:r>
-              <a:rPr lang="en-US" dirty="0" smtClean="0"/>
-              <a:t> </a:t>
-            </a:r>
-            <a:r>
-              <a:rPr lang="en-US" dirty="0" err="1" smtClean="0"/>
-              <a:t>que</a:t>
-            </a:r>
-            <a:r>
-              <a:rPr lang="en-US" dirty="0" smtClean="0"/>
-              <a:t> </a:t>
-            </a:r>
-            <a:r>
-              <a:rPr lang="en-US" dirty="0" err="1" smtClean="0"/>
-              <a:t>você</a:t>
-            </a:r>
-            <a:r>
-              <a:rPr lang="en-US" dirty="0" smtClean="0"/>
-              <a:t> </a:t>
-            </a:r>
-            <a:r>
-              <a:rPr lang="en-US" dirty="0" err="1" smtClean="0"/>
-              <a:t>vira</a:t>
-            </a:r>
-            <a:r>
-              <a:rPr lang="en-US" dirty="0" smtClean="0"/>
-              <a:t> para </a:t>
-            </a:r>
-            <a:r>
-              <a:rPr lang="en-US" dirty="0" err="1" smtClean="0"/>
-              <a:t>compensar</a:t>
-            </a:r>
-            <a:r>
-              <a:rPr lang="en-US" dirty="0" smtClean="0"/>
-              <a:t> o </a:t>
-            </a:r>
-            <a:r>
-              <a:rPr lang="en-US" dirty="0" err="1" smtClean="0"/>
-              <a:t>atraso</a:t>
-            </a:r>
-            <a:r>
-              <a:rPr lang="en-US" dirty="0" smtClean="0"/>
-              <a:t>. A </a:t>
-            </a:r>
-            <a:r>
-              <a:rPr lang="en-US" dirty="0" err="1" smtClean="0"/>
-              <a:t>segunda</a:t>
-            </a:r>
-            <a:r>
-              <a:rPr lang="en-US" dirty="0" smtClean="0"/>
-              <a:t> forma </a:t>
-            </a:r>
-            <a:r>
-              <a:rPr lang="en-US" dirty="0" err="1" smtClean="0"/>
-              <a:t>usa</a:t>
-            </a:r>
-            <a:r>
-              <a:rPr lang="en-US" dirty="0" smtClean="0"/>
-              <a:t> o </a:t>
-            </a:r>
-            <a:r>
-              <a:rPr lang="en-US" dirty="0" err="1" smtClean="0"/>
-              <a:t>controle</a:t>
-            </a:r>
-            <a:r>
-              <a:rPr lang="en-US" dirty="0" smtClean="0"/>
-              <a:t> </a:t>
-            </a:r>
-            <a:r>
-              <a:rPr lang="en-US" dirty="0" err="1" smtClean="0"/>
-              <a:t>proporcional</a:t>
-            </a:r>
-            <a:r>
-              <a:rPr lang="en-US" dirty="0" smtClean="0"/>
-              <a:t> para </a:t>
-            </a:r>
-            <a:r>
-              <a:rPr lang="en-US" dirty="0" err="1" smtClean="0"/>
-              <a:t>executar</a:t>
-            </a:r>
-            <a:r>
-              <a:rPr lang="en-US" dirty="0" smtClean="0"/>
-              <a:t> a </a:t>
-            </a:r>
-            <a:r>
-              <a:rPr lang="en-US" dirty="0" err="1" smtClean="0"/>
-              <a:t>curva</a:t>
-            </a:r>
-            <a:r>
-              <a:rPr lang="en-US" dirty="0" smtClean="0"/>
-              <a:t> </a:t>
-            </a:r>
-            <a:r>
-              <a:rPr lang="en-US" dirty="0" err="1" smtClean="0"/>
-              <a:t>pela</a:t>
-            </a:r>
-            <a:r>
-              <a:rPr lang="en-US" dirty="0" smtClean="0"/>
-              <a:t> </a:t>
-            </a:r>
-            <a:r>
-              <a:rPr lang="en-US" dirty="0" err="1" smtClean="0"/>
-              <a:t>duração</a:t>
-            </a:r>
-            <a:r>
-              <a:rPr lang="en-US" dirty="0" smtClean="0"/>
-              <a:t> </a:t>
-            </a:r>
-            <a:r>
-              <a:rPr lang="en-US" dirty="0" err="1" smtClean="0"/>
-              <a:t>definida</a:t>
-            </a:r>
-            <a:r>
-              <a:rPr lang="en-US" dirty="0" smtClean="0"/>
-              <a:t>. </a:t>
-            </a:r>
-            <a:endParaRPr lang="en-US" dirty="0"/>
+              <a:t>real</a:t>
+            </a:r>
           </a:p>
         </p:txBody>
       </p:sp>
@@ -10298,8 +8602,8 @@
           <a:lstStyle/>
           <a:p>
             <a:r>
-              <a:rPr lang="en-US" smtClean="0"/>
-              <a:t>© 2015 EV3Lessons.com, Last edit 4/8/2015</a:t>
+              <a:rPr lang="sk-SK" smtClean="0"/>
+              <a:t>© 2015 EV3Lessons.com, Last edit 12/19/2015</a:t>
             </a:r>
             <a:endParaRPr lang="en-US"/>
           </a:p>
@@ -10322,7 +8626,7 @@
           <a:p>
             <a:fld id="{4382A7F7-08BF-4252-8141-63FB96055BBB}" type="slidenum">
               <a:rPr lang="en-US" smtClean="0"/>
-              <a:t>13</a:t>
+              <a:t>10</a:t>
             </a:fld>
             <a:endParaRPr lang="en-US"/>
           </a:p>
@@ -10356,7 +8660,7 @@
 </p:sld>
 </file>
 
-<file path=ppt/slides/slide14.xml><?xml version="1.0" encoding="utf-8"?>
+<file path=ppt/slides/slide11.xml><?xml version="1.0" encoding="utf-8"?>
 <p:sld xmlns:a="http://schemas.openxmlformats.org/drawingml/2006/main" xmlns:r="http://schemas.openxmlformats.org/officeDocument/2006/relationships" xmlns:p="http://schemas.openxmlformats.org/presentationml/2006/main">
   <p:cSld>
     <p:spTree>
@@ -10614,8 +8918,8 @@
           <a:lstStyle/>
           <a:p>
             <a:r>
-              <a:rPr lang="en-US" smtClean="0"/>
-              <a:t>© 2015 EV3Lessons.com, Last edit 4/8/2015</a:t>
+              <a:rPr lang="sk-SK" smtClean="0"/>
+              <a:t>© 2015 EV3Lessons.com, Last edit 12/19/2015</a:t>
             </a:r>
             <a:endParaRPr lang="en-US"/>
           </a:p>
@@ -10646,7 +8950,7 @@
           <a:effectLst/>
           <a:extLst>
             <a:ext uri="{91240B29-F687-4f45-9708-019B960494DF}">
-              <a14:hiddenLine xmlns:a14="http://schemas.microsoft.com/office/drawing/2010/main" xmlns="" w="9525">
+              <a14:hiddenLine xmlns="" xmlns:a14="http://schemas.microsoft.com/office/drawing/2010/main" w="9525">
                 <a:solidFill>
                   <a:schemeClr val="tx1"/>
                 </a:solidFill>
@@ -10656,7 +8960,7 @@
               </a14:hiddenLine>
             </a:ext>
             <a:ext uri="{AF507438-7753-43e0-B8FC-AC1667EBCBE1}">
-              <a14:hiddenEffects xmlns:a14="http://schemas.microsoft.com/office/drawing/2010/main" xmlns="">
+              <a14:hiddenEffects xmlns="" xmlns:a14="http://schemas.microsoft.com/office/drawing/2010/main">
                 <a:effectLst>
                   <a:outerShdw dist="35921" dir="2700000" algn="ctr" rotWithShape="0">
                     <a:schemeClr val="bg2"/>
@@ -11061,7 +9365,7 @@
           <a:noFill/>
           <a:extLst>
             <a:ext uri="{909E8E84-426E-40dd-AFC4-6F175D3DCCD1}">
-              <a14:hiddenFill xmlns:a14="http://schemas.microsoft.com/office/drawing/2010/main" xmlns="">
+              <a14:hiddenFill xmlns="" xmlns:a14="http://schemas.microsoft.com/office/drawing/2010/main">
                 <a:solidFill>
                   <a:srgbClr val="FFFFFF"/>
                 </a:solidFill>
@@ -11087,7 +9391,7 @@
           <a:p>
             <a:fld id="{4382A7F7-08BF-4252-8141-63FB96055BBB}" type="slidenum">
               <a:rPr lang="en-US" smtClean="0"/>
-              <a:t>14</a:t>
+              <a:t>11</a:t>
             </a:fld>
             <a:endParaRPr lang="en-US"/>
           </a:p>
@@ -11356,22 +9660,6 @@
               <a:rPr lang="en-US" dirty="0" err="1" smtClean="0"/>
               <a:t>Laços</a:t>
             </a:r>
-            <a:r>
-              <a:rPr lang="en-US" dirty="0" smtClean="0"/>
-              <a:t>, </a:t>
-            </a:r>
-            <a:r>
-              <a:rPr lang="en-US" dirty="0" err="1" smtClean="0"/>
-              <a:t>Controle</a:t>
-            </a:r>
-            <a:r>
-              <a:rPr lang="en-US" dirty="0" smtClean="0"/>
-              <a:t> </a:t>
-            </a:r>
-            <a:r>
-              <a:rPr lang="en-US" dirty="0" err="1" smtClean="0"/>
-              <a:t>Proporcional</a:t>
-            </a:r>
             <a:endParaRPr lang="en-US" dirty="0"/>
           </a:p>
         </p:txBody>
@@ -11392,8 +9680,8 @@
           <a:lstStyle/>
           <a:p>
             <a:r>
-              <a:rPr lang="en-US" smtClean="0"/>
-              <a:t>© 2015 EV3Lessons.com, Last edit 4/8/2015</a:t>
+              <a:rPr lang="sk-SK" smtClean="0"/>
+              <a:t>© 2015 EV3Lessons.com, Last edit 12/19/2015</a:t>
             </a:r>
             <a:endParaRPr lang="en-US"/>
           </a:p>
@@ -11510,7 +9798,7 @@
         <p:spPr/>
         <p:txBody>
           <a:bodyPr>
-            <a:normAutofit lnSpcReduction="10000"/>
+            <a:normAutofit/>
           </a:bodyPr>
           <a:lstStyle/>
           <a:p>
@@ -11656,7 +9944,7 @@
             </a:r>
             <a:r>
               <a:rPr lang="en-US" dirty="0" err="1" smtClean="0"/>
-              <a:t>duas</a:t>
+              <a:t>uma</a:t>
             </a:r>
             <a:r>
               <a:rPr lang="en-US" dirty="0" smtClean="0"/>
@@ -11668,7 +9956,11 @@
             </a:r>
             <a:r>
               <a:rPr lang="en-US" dirty="0" smtClean="0"/>
-              <a:t> de </a:t>
+              <a:t> </a:t>
+            </a:r>
+            <a:r>
+              <a:rPr lang="en-US" dirty="0" smtClean="0"/>
+              <a:t>de </a:t>
             </a:r>
             <a:r>
               <a:rPr lang="en-US" dirty="0" err="1" smtClean="0"/>
@@ -11698,16 +9990,17 @@
               <a:rPr lang="en-US" dirty="0" err="1" smtClean="0"/>
               <a:t>curva</a:t>
             </a:r>
-            <a:endParaRPr lang="en-US" dirty="0" smtClean="0"/>
-          </a:p>
-          <a:p>
-            <a:pPr lvl="1">
-              <a:buFont typeface="+mj-lt"/>
-              <a:buAutoNum type="arabicPeriod"/>
-            </a:pPr>
+            <a:r>
+              <a:rPr lang="en-US" dirty="0" smtClean="0"/>
+              <a:t>: </a:t>
+            </a:r>
+            <a:r>
+              <a:rPr lang="en-US" dirty="0" err="1"/>
+              <a:t>r</a:t>
+            </a:r>
             <a:r>
               <a:rPr lang="en-US" dirty="0" err="1" smtClean="0"/>
-              <a:t>Reduzindo</a:t>
+              <a:t>eduzindo</a:t>
             </a:r>
             <a:r>
               <a:rPr lang="en-US" dirty="0" smtClean="0"/>
@@ -11765,82 +10058,6 @@
               <a:rPr lang="en-US" dirty="0" err="1" smtClean="0"/>
               <a:t>atraso</a:t>
             </a:r>
-            <a:r>
-              <a:rPr lang="en-US" dirty="0" smtClean="0"/>
-              <a:t> (slides 4-9)</a:t>
-            </a:r>
-          </a:p>
-          <a:p>
-            <a:pPr lvl="1">
-              <a:buFont typeface="+mj-lt"/>
-              <a:buAutoNum type="arabicPeriod"/>
-            </a:pPr>
-            <a:r>
-              <a:rPr lang="en-US" dirty="0" err="1" smtClean="0"/>
-              <a:t>Usando</a:t>
-            </a:r>
-            <a:r>
-              <a:rPr lang="en-US" dirty="0" smtClean="0"/>
-              <a:t> o </a:t>
-            </a:r>
-            <a:r>
-              <a:rPr lang="en-US" dirty="0" err="1" smtClean="0"/>
-              <a:t>controle</a:t>
-            </a:r>
-            <a:r>
-              <a:rPr lang="en-US" dirty="0" smtClean="0"/>
-              <a:t> </a:t>
-            </a:r>
-            <a:r>
-              <a:rPr lang="en-US" dirty="0" err="1" smtClean="0"/>
-              <a:t>proporcional</a:t>
-            </a:r>
-            <a:r>
-              <a:rPr lang="en-US" dirty="0" smtClean="0"/>
-              <a:t> para </a:t>
-            </a:r>
-            <a:r>
-              <a:rPr lang="en-US" dirty="0" err="1" smtClean="0"/>
-              <a:t>continuar</a:t>
-            </a:r>
-            <a:r>
-              <a:rPr lang="en-US" dirty="0" smtClean="0"/>
-              <a:t> </a:t>
-            </a:r>
-            <a:r>
-              <a:rPr lang="en-US" dirty="0" err="1" smtClean="0"/>
-              <a:t>executando</a:t>
-            </a:r>
-            <a:r>
-              <a:rPr lang="en-US" dirty="0" smtClean="0"/>
-              <a:t> o </a:t>
-            </a:r>
-            <a:r>
-              <a:rPr lang="en-US" dirty="0" err="1" smtClean="0"/>
-              <a:t>giro</a:t>
-            </a:r>
-            <a:r>
-              <a:rPr lang="en-US" dirty="0" smtClean="0"/>
-              <a:t> </a:t>
-            </a:r>
-            <a:r>
-              <a:rPr lang="en-US" dirty="0" err="1" smtClean="0"/>
-              <a:t>pelo</a:t>
-            </a:r>
-            <a:r>
-              <a:rPr lang="en-US" dirty="0" smtClean="0"/>
-              <a:t> tempo </a:t>
-            </a:r>
-            <a:r>
-              <a:rPr lang="en-US" dirty="0" err="1" smtClean="0"/>
-              <a:t>determinado</a:t>
-            </a:r>
-            <a:r>
-              <a:rPr lang="en-US" dirty="0" smtClean="0"/>
-              <a:t>(slides 10-12)</a:t>
-            </a:r>
-          </a:p>
-          <a:p>
             <a:endParaRPr lang="en-US" dirty="0"/>
           </a:p>
         </p:txBody>
@@ -11861,8 +10078,8 @@
           <a:lstStyle/>
           <a:p>
             <a:r>
-              <a:rPr lang="en-US" smtClean="0"/>
-              <a:t>© 2015 EV3Lessons.com, Last edit 4/8/2015</a:t>
+              <a:rPr lang="sk-SK" smtClean="0"/>
+              <a:t>© 2015 EV3Lessons.com, Last edit 12/19/2015</a:t>
             </a:r>
             <a:endParaRPr lang="en-US"/>
           </a:p>
@@ -11986,8 +10203,8 @@
           <a:lstStyle/>
           <a:p>
             <a:r>
-              <a:rPr lang="en-US" smtClean="0"/>
-              <a:t>© 2015 EV3Lessons.com, Last edit 4/8/2015</a:t>
+              <a:rPr lang="sk-SK" smtClean="0"/>
+              <a:t>© 2015 EV3Lessons.com, Last edit 12/19/2015</a:t>
             </a:r>
             <a:endParaRPr lang="en-US"/>
           </a:p>
@@ -12140,8 +10357,8 @@
           <a:lstStyle/>
           <a:p>
             <a:r>
-              <a:rPr lang="en-US" smtClean="0"/>
-              <a:t>© 2015 EV3Lessons.com, Last edit 4/8/2015</a:t>
+              <a:rPr lang="sk-SK" smtClean="0"/>
+              <a:t>© 2015 EV3Lessons.com, Last edit 12/19/2015</a:t>
             </a:r>
             <a:endParaRPr lang="en-US"/>
           </a:p>
@@ -12290,8 +10507,8 @@
           <a:lstStyle/>
           <a:p>
             <a:r>
-              <a:rPr lang="en-US" smtClean="0"/>
-              <a:t>© 2015 EV3Lessons.com, Last edit 4/8/2015</a:t>
+              <a:rPr lang="sk-SK" smtClean="0"/>
+              <a:t>© 2015 EV3Lessons.com, Last edit 12/19/2015</a:t>
             </a:r>
             <a:endParaRPr lang="en-US"/>
           </a:p>
@@ -12477,8 +10694,8 @@
           <a:lstStyle/>
           <a:p>
             <a:r>
-              <a:rPr lang="en-US" smtClean="0"/>
-              <a:t>© 2015 EV3Lessons.com, Last edit 4/8/2015</a:t>
+              <a:rPr lang="sk-SK" smtClean="0"/>
+              <a:t>© 2015 EV3Lessons.com, Last edit 12/19/2015</a:t>
             </a:r>
             <a:endParaRPr lang="en-US"/>
           </a:p>
@@ -12662,8 +10879,8 @@
           <a:lstStyle/>
           <a:p>
             <a:r>
-              <a:rPr lang="en-US" smtClean="0"/>
-              <a:t>© 2015 EV3Lessons.com, Last edit 4/8/2015</a:t>
+              <a:rPr lang="sk-SK" smtClean="0"/>
+              <a:t>© 2015 EV3Lessons.com, Last edit 12/19/2015</a:t>
             </a:r>
             <a:endParaRPr lang="en-US"/>
           </a:p>
@@ -12847,8 +11064,8 @@
           <a:lstStyle/>
           <a:p>
             <a:r>
-              <a:rPr lang="en-US" smtClean="0"/>
-              <a:t>© 2015 EV3Lessons.com, Last edit 4/8/2015</a:t>
+              <a:rPr lang="sk-SK" smtClean="0"/>
+              <a:t>© 2015 EV3Lessons.com, Last edit 12/19/2015</a:t>
             </a:r>
             <a:endParaRPr lang="en-US"/>
           </a:p>

--- a/translations/pt-br/advanced/GyroTurn.pptx
+++ b/translations/pt-br/advanced/GyroTurn.pptx
@@ -8089,7 +8089,7 @@
           <a:noFill/>
           <a:extLst>
             <a:ext uri="{909E8E84-426E-40dd-AFC4-6F175D3DCCD1}">
-              <a14:hiddenFill xmlns="" xmlns:a14="http://schemas.microsoft.com/office/drawing/2010/main">
+              <a14:hiddenFill xmlns:a14="http://schemas.microsoft.com/office/drawing/2010/main" xmlns="">
                 <a:solidFill>
                   <a:srgbClr val="FFFFFF"/>
                 </a:solidFill>
@@ -8577,11 +8577,7 @@
             </a:r>
             <a:r>
               <a:rPr lang="en-US" dirty="0" smtClean="0"/>
-              <a:t> valor </a:t>
-            </a:r>
-            <a:r>
-              <a:rPr lang="en-US" dirty="0" smtClean="0"/>
-              <a:t>real</a:t>
+              <a:t> valor real</a:t>
             </a:r>
           </a:p>
         </p:txBody>
@@ -8776,15 +8772,7 @@
             </a:r>
             <a:r>
               <a:rPr lang="en-US" dirty="0" smtClean="0"/>
-              <a:t>e </a:t>
-            </a:r>
-            <a:r>
-              <a:rPr lang="en-US" dirty="0" err="1" smtClean="0"/>
-              <a:t>Arvind</a:t>
-            </a:r>
-            <a:r>
-              <a:rPr lang="en-US" dirty="0" smtClean="0"/>
-              <a:t> </a:t>
+              <a:t>e Arvind </a:t>
             </a:r>
             <a:r>
               <a:rPr lang="en-US" dirty="0" err="1"/>
@@ -8798,47 +8786,7 @@
               <a:rPr lang="en-US" dirty="0" smtClean="0"/>
               <a:t>dos Droids Robotics </a:t>
             </a:r>
-            <a:r>
-              <a:rPr lang="en-US" dirty="0" err="1" smtClean="0"/>
-              <a:t>usando</a:t>
-            </a:r>
-            <a:r>
-              <a:rPr lang="en-US" dirty="0" smtClean="0"/>
-              <a:t> o </a:t>
-            </a:r>
-            <a:r>
-              <a:rPr lang="en-US" dirty="0" err="1" smtClean="0"/>
-              <a:t>código</a:t>
-            </a:r>
-            <a:r>
-              <a:rPr lang="en-US" dirty="0" smtClean="0"/>
-              <a:t> </a:t>
-            </a:r>
-            <a:r>
-              <a:rPr lang="en-US" dirty="0" err="1" smtClean="0"/>
-              <a:t>compartilhado</a:t>
-            </a:r>
-            <a:r>
-              <a:rPr lang="en-US" dirty="0" smtClean="0"/>
-              <a:t> </a:t>
-            </a:r>
-            <a:r>
-              <a:rPr lang="en-US" dirty="0" err="1" smtClean="0"/>
-              <a:t>por</a:t>
-            </a:r>
-            <a:r>
-              <a:rPr lang="en-US" dirty="0" smtClean="0"/>
-              <a:t> The Construction </a:t>
-            </a:r>
-            <a:r>
-              <a:rPr lang="en-US" dirty="0"/>
-              <a:t>Mavericks (http://</a:t>
-            </a:r>
-            <a:r>
-              <a:rPr lang="en-US" dirty="0" smtClean="0"/>
-              <a:t>fllmavericks.wix.com/fllmavericks)</a:t>
-            </a:r>
-            <a:endParaRPr lang="en-US" dirty="0"/>
+            <a:endParaRPr lang="en-US" dirty="0" smtClean="0"/>
           </a:p>
           <a:p>
             <a:pPr marL="454025" lvl="1" indent="-454025">
@@ -8852,8 +8800,16 @@
               </a:buClr>
             </a:pPr>
             <a:r>
+              <a:rPr lang="en-US" dirty="0" err="1" smtClean="0"/>
+              <a:t>Foi</a:t>
+            </a:r>
+            <a:r>
+              <a:rPr lang="en-US" dirty="0" smtClean="0"/>
+              <a:t> </a:t>
+            </a:r>
+            <a:r>
               <a:rPr lang="en-US" dirty="0" err="1"/>
-              <a:t>Foi</a:t>
+              <a:t>traduzido</a:t>
             </a:r>
             <a:r>
               <a:rPr lang="en-US" dirty="0"/>
@@ -8861,14 +8817,6 @@
             </a:r>
             <a:r>
               <a:rPr lang="en-US" dirty="0" err="1"/>
-              <a:t>traduzido</a:t>
-            </a:r>
-            <a:r>
-              <a:rPr lang="en-US" dirty="0"/>
-              <a:t> </a:t>
-            </a:r>
-            <a:r>
-              <a:rPr lang="en-US" dirty="0" err="1"/>
               <a:t>por</a:t>
             </a:r>
             <a:r>
@@ -8879,11 +8827,11 @@
               <a:rPr lang="en-US" dirty="0" err="1"/>
               <a:t>Hirakawa</a:t>
             </a:r>
-            <a:endParaRPr lang="en-US"/>
-          </a:p>
-          <a:p>
-            <a:r>
-              <a:rPr lang="en-US" smtClean="0"/>
+            <a:endParaRPr lang="en-US" dirty="0"/>
+          </a:p>
+          <a:p>
+            <a:r>
+              <a:rPr lang="en-US" dirty="0" err="1" smtClean="0"/>
               <a:t>Mais</a:t>
             </a:r>
             <a:r>
@@ -8950,7 +8898,7 @@
           <a:effectLst/>
           <a:extLst>
             <a:ext uri="{91240B29-F687-4f45-9708-019B960494DF}">
-              <a14:hiddenLine xmlns="" xmlns:a14="http://schemas.microsoft.com/office/drawing/2010/main" w="9525">
+              <a14:hiddenLine xmlns:a14="http://schemas.microsoft.com/office/drawing/2010/main" xmlns="" w="9525">
                 <a:solidFill>
                   <a:schemeClr val="tx1"/>
                 </a:solidFill>
@@ -8960,7 +8908,7 @@
               </a14:hiddenLine>
             </a:ext>
             <a:ext uri="{AF507438-7753-43e0-B8FC-AC1667EBCBE1}">
-              <a14:hiddenEffects xmlns="" xmlns:a14="http://schemas.microsoft.com/office/drawing/2010/main">
+              <a14:hiddenEffects xmlns:a14="http://schemas.microsoft.com/office/drawing/2010/main" xmlns="">
                 <a:effectLst>
                   <a:outerShdw dist="35921" dir="2700000" algn="ctr" rotWithShape="0">
                     <a:schemeClr val="bg2"/>
@@ -9365,7 +9313,7 @@
           <a:noFill/>
           <a:extLst>
             <a:ext uri="{909E8E84-426E-40dd-AFC4-6F175D3DCCD1}">
-              <a14:hiddenFill xmlns="" xmlns:a14="http://schemas.microsoft.com/office/drawing/2010/main">
+              <a14:hiddenFill xmlns:a14="http://schemas.microsoft.com/office/drawing/2010/main" xmlns="">
                 <a:solidFill>
                   <a:srgbClr val="FFFFFF"/>
                 </a:solidFill>
@@ -9956,11 +9904,7 @@
             </a:r>
             <a:r>
               <a:rPr lang="en-US" dirty="0" smtClean="0"/>
-              <a:t> </a:t>
-            </a:r>
-            <a:r>
-              <a:rPr lang="en-US" dirty="0" smtClean="0"/>
-              <a:t>de </a:t>
+              <a:t> de </a:t>
             </a:r>
             <a:r>
               <a:rPr lang="en-US" dirty="0" err="1" smtClean="0"/>
